--- a/Document/강성민/기획/졸작 기획 초안.pptx
+++ b/Document/강성민/기획/졸작 기획 초안.pptx
@@ -7,6 +7,13 @@
   <p:sldIdLst>
     <p:sldId id="256" r:id="rId2"/>
     <p:sldId id="257" r:id="rId3"/>
+    <p:sldId id="259" r:id="rId4"/>
+    <p:sldId id="258" r:id="rId5"/>
+    <p:sldId id="260" r:id="rId6"/>
+    <p:sldId id="262" r:id="rId7"/>
+    <p:sldId id="263" r:id="rId8"/>
+    <p:sldId id="264" r:id="rId9"/>
+    <p:sldId id="265" r:id="rId10"/>
   </p:sldIdLst>
   <p:sldSz cx="12192000" cy="6858000"/>
   <p:notesSz cx="6858000" cy="9144000"/>
@@ -260,7 +267,7 @@
           <a:p>
             <a:fld id="{DEFADE3C-D41B-4859-BAB8-376B2B5E934D}" type="datetimeFigureOut">
               <a:rPr lang="ko-KR" altLang="en-US" smtClean="0"/>
-              <a:t>2024-07-10</a:t>
+              <a:t>2024-08-26</a:t>
             </a:fld>
             <a:endParaRPr lang="ko-KR" altLang="en-US"/>
           </a:p>
@@ -458,7 +465,7 @@
           <a:p>
             <a:fld id="{DEFADE3C-D41B-4859-BAB8-376B2B5E934D}" type="datetimeFigureOut">
               <a:rPr lang="ko-KR" altLang="en-US" smtClean="0"/>
-              <a:t>2024-07-10</a:t>
+              <a:t>2024-08-26</a:t>
             </a:fld>
             <a:endParaRPr lang="ko-KR" altLang="en-US"/>
           </a:p>
@@ -666,7 +673,7 @@
           <a:p>
             <a:fld id="{DEFADE3C-D41B-4859-BAB8-376B2B5E934D}" type="datetimeFigureOut">
               <a:rPr lang="ko-KR" altLang="en-US" smtClean="0"/>
-              <a:t>2024-07-10</a:t>
+              <a:t>2024-08-26</a:t>
             </a:fld>
             <a:endParaRPr lang="ko-KR" altLang="en-US"/>
           </a:p>
@@ -864,7 +871,7 @@
           <a:p>
             <a:fld id="{DEFADE3C-D41B-4859-BAB8-376B2B5E934D}" type="datetimeFigureOut">
               <a:rPr lang="ko-KR" altLang="en-US" smtClean="0"/>
-              <a:t>2024-07-10</a:t>
+              <a:t>2024-08-26</a:t>
             </a:fld>
             <a:endParaRPr lang="ko-KR" altLang="en-US"/>
           </a:p>
@@ -1139,7 +1146,7 @@
           <a:p>
             <a:fld id="{DEFADE3C-D41B-4859-BAB8-376B2B5E934D}" type="datetimeFigureOut">
               <a:rPr lang="ko-KR" altLang="en-US" smtClean="0"/>
-              <a:t>2024-07-10</a:t>
+              <a:t>2024-08-26</a:t>
             </a:fld>
             <a:endParaRPr lang="ko-KR" altLang="en-US"/>
           </a:p>
@@ -1404,7 +1411,7 @@
           <a:p>
             <a:fld id="{DEFADE3C-D41B-4859-BAB8-376B2B5E934D}" type="datetimeFigureOut">
               <a:rPr lang="ko-KR" altLang="en-US" smtClean="0"/>
-              <a:t>2024-07-10</a:t>
+              <a:t>2024-08-26</a:t>
             </a:fld>
             <a:endParaRPr lang="ko-KR" altLang="en-US"/>
           </a:p>
@@ -1816,7 +1823,7 @@
           <a:p>
             <a:fld id="{DEFADE3C-D41B-4859-BAB8-376B2B5E934D}" type="datetimeFigureOut">
               <a:rPr lang="ko-KR" altLang="en-US" smtClean="0"/>
-              <a:t>2024-07-10</a:t>
+              <a:t>2024-08-26</a:t>
             </a:fld>
             <a:endParaRPr lang="ko-KR" altLang="en-US"/>
           </a:p>
@@ -1957,7 +1964,7 @@
           <a:p>
             <a:fld id="{DEFADE3C-D41B-4859-BAB8-376B2B5E934D}" type="datetimeFigureOut">
               <a:rPr lang="ko-KR" altLang="en-US" smtClean="0"/>
-              <a:t>2024-07-10</a:t>
+              <a:t>2024-08-26</a:t>
             </a:fld>
             <a:endParaRPr lang="ko-KR" altLang="en-US"/>
           </a:p>
@@ -2070,7 +2077,7 @@
           <a:p>
             <a:fld id="{DEFADE3C-D41B-4859-BAB8-376B2B5E934D}" type="datetimeFigureOut">
               <a:rPr lang="ko-KR" altLang="en-US" smtClean="0"/>
-              <a:t>2024-07-10</a:t>
+              <a:t>2024-08-26</a:t>
             </a:fld>
             <a:endParaRPr lang="ko-KR" altLang="en-US"/>
           </a:p>
@@ -2381,7 +2388,7 @@
           <a:p>
             <a:fld id="{DEFADE3C-D41B-4859-BAB8-376B2B5E934D}" type="datetimeFigureOut">
               <a:rPr lang="ko-KR" altLang="en-US" smtClean="0"/>
-              <a:t>2024-07-10</a:t>
+              <a:t>2024-08-26</a:t>
             </a:fld>
             <a:endParaRPr lang="ko-KR" altLang="en-US"/>
           </a:p>
@@ -2669,7 +2676,7 @@
           <a:p>
             <a:fld id="{DEFADE3C-D41B-4859-BAB8-376B2B5E934D}" type="datetimeFigureOut">
               <a:rPr lang="ko-KR" altLang="en-US" smtClean="0"/>
-              <a:t>2024-07-10</a:t>
+              <a:t>2024-08-26</a:t>
             </a:fld>
             <a:endParaRPr lang="ko-KR" altLang="en-US"/>
           </a:p>
@@ -2910,7 +2917,7 @@
           <a:p>
             <a:fld id="{DEFADE3C-D41B-4859-BAB8-376B2B5E934D}" type="datetimeFigureOut">
               <a:rPr lang="ko-KR" altLang="en-US" smtClean="0"/>
-              <a:t>2024-07-10</a:t>
+              <a:t>2024-08-26</a:t>
             </a:fld>
             <a:endParaRPr lang="ko-KR" altLang="en-US"/>
           </a:p>
@@ -3358,7 +3365,7 @@
             <a:pPr algn="ctr"/>
             <a:r>
               <a:rPr lang="ko-KR" altLang="en-US" dirty="0"/>
-              <a:t>졸업작품 기획 초안</a:t>
+              <a:t>졸업작품 기획서</a:t>
             </a:r>
           </a:p>
         </p:txBody>
@@ -3408,7 +3415,7 @@
         <p:spPr>
           <a:xfrm>
             <a:off x="374650" y="354568"/>
-            <a:ext cx="2705100" cy="369332"/>
+            <a:ext cx="2622550" cy="646331"/>
           </a:xfrm>
           <a:prstGeom prst="rect">
             <a:avLst/>
@@ -3422,12 +3429,628 @@
           <a:lstStyle/>
           <a:p>
             <a:r>
+              <a:rPr lang="ko-KR" altLang="en-US" dirty="0"/>
+              <a:t>레퍼런스 게임 분석</a:t>
+            </a:r>
+            <a:endParaRPr lang="en-US" altLang="ko-KR" dirty="0"/>
+          </a:p>
+          <a:p>
+            <a:r>
               <a:rPr lang="en-US" altLang="ko-KR" dirty="0"/>
+              <a:t>- </a:t>
+            </a:r>
+            <a:r>
+              <a:rPr lang="ko-KR" altLang="en-US" dirty="0"/>
+              <a:t>클라이언트</a:t>
+            </a:r>
+            <a:endParaRPr lang="en-US" altLang="ko-KR" dirty="0"/>
+          </a:p>
+        </p:txBody>
+      </p:sp>
+      <p:sp>
+        <p:nvSpPr>
+          <p:cNvPr id="2" name="TextBox 1">
+            <a:extLst>
+              <a:ext uri="{FF2B5EF4-FFF2-40B4-BE49-F238E27FC236}">
+                <a16:creationId xmlns:a16="http://schemas.microsoft.com/office/drawing/2014/main" id="{A871E0DF-B08E-B015-F3B4-10DB5E292EE4}"/>
+              </a:ext>
+            </a:extLst>
+          </p:cNvPr>
+          <p:cNvSpPr txBox="1"/>
+          <p:nvPr/>
+        </p:nvSpPr>
+        <p:spPr>
+          <a:xfrm>
+            <a:off x="825500" y="1141789"/>
+            <a:ext cx="9112250" cy="5262979"/>
+          </a:xfrm>
+          <a:prstGeom prst="rect">
+            <a:avLst/>
+          </a:prstGeom>
+          <a:noFill/>
+        </p:spPr>
+        <p:txBody>
+          <a:bodyPr wrap="square" rtlCol="0">
+            <a:spAutoFit/>
+          </a:bodyPr>
+          <a:lstStyle/>
+          <a:p>
+            <a:r>
+              <a:rPr lang="ko-KR" altLang="en-US" sz="1400" dirty="0"/>
+              <a:t>게임 클라이언트 구현</a:t>
+            </a:r>
+          </a:p>
+          <a:p>
+            <a:endParaRPr lang="ko-KR" altLang="en-US" sz="1400" dirty="0"/>
+          </a:p>
+          <a:p>
+            <a:r>
+              <a:rPr lang="en-US" altLang="ko-KR" sz="1400" dirty="0"/>
+              <a:t>- </a:t>
+            </a:r>
+            <a:r>
+              <a:rPr lang="ko-KR" altLang="en-US" sz="1400" dirty="0"/>
+              <a:t>술래는 </a:t>
+            </a:r>
+            <a:r>
+              <a:rPr lang="en-US" altLang="ko-KR" sz="1400" dirty="0"/>
               <a:t>1</a:t>
             </a:r>
             <a:r>
-              <a:rPr lang="ko-KR" altLang="en-US" dirty="0"/>
-              <a:t>대 多 비대칭 술래잡기</a:t>
+              <a:rPr lang="ko-KR" altLang="en-US" sz="1400" dirty="0"/>
+              <a:t>인칭 </a:t>
+            </a:r>
+            <a:r>
+              <a:rPr lang="en-US" altLang="ko-KR" sz="1400" dirty="0"/>
+              <a:t>/ </a:t>
+            </a:r>
+            <a:r>
+              <a:rPr lang="ko-KR" altLang="en-US" sz="1400" dirty="0"/>
+              <a:t>생존자는 </a:t>
+            </a:r>
+            <a:r>
+              <a:rPr lang="en-US" altLang="ko-KR" sz="1400" dirty="0"/>
+              <a:t>3</a:t>
+            </a:r>
+            <a:r>
+              <a:rPr lang="ko-KR" altLang="en-US" sz="1400" dirty="0"/>
+              <a:t>인칭 시점</a:t>
+            </a:r>
+          </a:p>
+          <a:p>
+            <a:endParaRPr lang="ko-KR" altLang="en-US" sz="1400" dirty="0"/>
+          </a:p>
+          <a:p>
+            <a:r>
+              <a:rPr lang="ko-KR" altLang="en-US" sz="1400" dirty="0"/>
+              <a:t>술래</a:t>
+            </a:r>
+            <a:r>
+              <a:rPr lang="en-US" altLang="ko-KR" sz="1400" dirty="0"/>
+              <a:t>(</a:t>
+            </a:r>
+            <a:r>
+              <a:rPr lang="ko-KR" altLang="en-US" sz="1400" dirty="0"/>
+              <a:t>엔티티</a:t>
+            </a:r>
+            <a:r>
+              <a:rPr lang="en-US" altLang="ko-KR" sz="1400" dirty="0"/>
+              <a:t>)</a:t>
+            </a:r>
+          </a:p>
+          <a:p>
+            <a:r>
+              <a:rPr lang="en-US" altLang="ko-KR" sz="1400" dirty="0"/>
+              <a:t>- </a:t>
+            </a:r>
+            <a:r>
+              <a:rPr lang="ko-KR" altLang="en-US" sz="1400" dirty="0"/>
+              <a:t>공포범위</a:t>
+            </a:r>
+            <a:r>
+              <a:rPr lang="en-US" altLang="ko-KR" sz="1400" dirty="0"/>
+              <a:t>( </a:t>
+            </a:r>
+            <a:r>
+              <a:rPr lang="ko-KR" altLang="en-US" sz="1400" dirty="0"/>
+              <a:t>술래가 가까워지면 심장소리 </a:t>
+            </a:r>
+            <a:r>
+              <a:rPr lang="en-US" altLang="ko-KR" sz="1400" dirty="0"/>
+              <a:t>), </a:t>
+            </a:r>
+            <a:r>
+              <a:rPr lang="ko-KR" altLang="en-US" sz="1400" dirty="0"/>
+              <a:t>안광</a:t>
+            </a:r>
+            <a:r>
+              <a:rPr lang="en-US" altLang="ko-KR" sz="1400" dirty="0"/>
+              <a:t>, </a:t>
+            </a:r>
+            <a:r>
+              <a:rPr lang="ko-KR" altLang="en-US" sz="1400" dirty="0"/>
+              <a:t>분노</a:t>
+            </a:r>
+          </a:p>
+          <a:p>
+            <a:r>
+              <a:rPr lang="en-US" altLang="ko-KR" sz="1400" dirty="0"/>
+              <a:t>- </a:t>
+            </a:r>
+            <a:r>
+              <a:rPr lang="ko-KR" altLang="en-US" sz="1400" dirty="0"/>
+              <a:t>공격</a:t>
+            </a:r>
+            <a:r>
+              <a:rPr lang="en-US" altLang="ko-KR" sz="1400" dirty="0"/>
+              <a:t>(</a:t>
+            </a:r>
+            <a:r>
+              <a:rPr lang="ko-KR" altLang="en-US" sz="1400" dirty="0"/>
+              <a:t>술래</a:t>
+            </a:r>
+            <a:r>
+              <a:rPr lang="en-US" altLang="ko-KR" sz="1400" dirty="0"/>
+              <a:t>) : </a:t>
+            </a:r>
+            <a:r>
+              <a:rPr lang="ko-KR" altLang="en-US" sz="1400" dirty="0"/>
+              <a:t>성공 시 </a:t>
+            </a:r>
+            <a:r>
+              <a:rPr lang="en-US" altLang="ko-KR" sz="1400" dirty="0"/>
+              <a:t>2.7</a:t>
+            </a:r>
+            <a:r>
+              <a:rPr lang="ko-KR" altLang="en-US" sz="1400" dirty="0"/>
+              <a:t>초</a:t>
+            </a:r>
+            <a:r>
+              <a:rPr lang="en-US" altLang="ko-KR" sz="1400" dirty="0"/>
+              <a:t>, </a:t>
+            </a:r>
+            <a:r>
+              <a:rPr lang="ko-KR" altLang="en-US" sz="1400" dirty="0"/>
+              <a:t>빗나갈 시 </a:t>
+            </a:r>
+            <a:r>
+              <a:rPr lang="en-US" altLang="ko-KR" sz="1400" dirty="0"/>
+              <a:t>1</a:t>
+            </a:r>
+            <a:r>
+              <a:rPr lang="ko-KR" altLang="en-US" sz="1400" dirty="0"/>
+              <a:t>초 딜레이 </a:t>
+            </a:r>
+            <a:r>
+              <a:rPr lang="en-US" altLang="ko-KR" sz="1400" dirty="0"/>
+              <a:t>/ </a:t>
+            </a:r>
+            <a:r>
+              <a:rPr lang="ko-KR" altLang="en-US" sz="1400" dirty="0"/>
+              <a:t>죽음의 상징 계열 공물 사용 시 처형</a:t>
+            </a:r>
+          </a:p>
+          <a:p>
+            <a:r>
+              <a:rPr lang="en-US" altLang="ko-KR" sz="1400" dirty="0"/>
+              <a:t>- </a:t>
+            </a:r>
+            <a:r>
+              <a:rPr lang="ko-KR" altLang="en-US" sz="1400" dirty="0"/>
+              <a:t>생존자 </a:t>
+            </a:r>
+            <a:r>
+              <a:rPr lang="ko-KR" altLang="en-US" sz="1400" dirty="0" err="1"/>
+              <a:t>들처매기</a:t>
+            </a:r>
+            <a:r>
+              <a:rPr lang="ko-KR" altLang="en-US" sz="1400" dirty="0"/>
+              <a:t> </a:t>
+            </a:r>
+            <a:r>
+              <a:rPr lang="en-US" altLang="ko-KR" sz="1400" dirty="0"/>
+              <a:t>/ </a:t>
+            </a:r>
+            <a:r>
+              <a:rPr lang="ko-KR" altLang="en-US" sz="1400" dirty="0"/>
+              <a:t>갈고리에 걸기</a:t>
+            </a:r>
+            <a:r>
+              <a:rPr lang="en-US" altLang="ko-KR" sz="1400" dirty="0"/>
+              <a:t>, </a:t>
+            </a:r>
+            <a:r>
+              <a:rPr lang="ko-KR" altLang="en-US" sz="1400" dirty="0"/>
+              <a:t>두 번 걸리면 </a:t>
+            </a:r>
+            <a:r>
+              <a:rPr lang="ko-KR" altLang="en-US" sz="1400" dirty="0" err="1"/>
+              <a:t>체력반감</a:t>
+            </a:r>
+            <a:r>
+              <a:rPr lang="en-US" altLang="ko-KR" sz="1400" dirty="0"/>
+              <a:t>, </a:t>
+            </a:r>
+            <a:r>
+              <a:rPr lang="ko-KR" altLang="en-US" sz="1400" dirty="0" err="1"/>
+              <a:t>반이하일때</a:t>
+            </a:r>
+            <a:r>
+              <a:rPr lang="ko-KR" altLang="en-US" sz="1400" dirty="0"/>
+              <a:t> 걸리면 즉사</a:t>
+            </a:r>
+          </a:p>
+          <a:p>
+            <a:r>
+              <a:rPr lang="en-US" altLang="ko-KR" sz="1400" dirty="0"/>
+              <a:t>- </a:t>
+            </a:r>
+            <a:r>
+              <a:rPr lang="ko-KR" altLang="en-US" sz="1400" dirty="0"/>
+              <a:t>발전기를 손상시켜 진행도를 깎을 수 있음</a:t>
+            </a:r>
+          </a:p>
+          <a:p>
+            <a:r>
+              <a:rPr lang="en-US" altLang="ko-KR" sz="1400" dirty="0"/>
+              <a:t>- </a:t>
+            </a:r>
+            <a:r>
+              <a:rPr lang="ko-KR" altLang="en-US" sz="1400" dirty="0"/>
+              <a:t>특수능력</a:t>
+            </a:r>
+          </a:p>
+          <a:p>
+            <a:endParaRPr lang="ko-KR" altLang="en-US" sz="1400" dirty="0"/>
+          </a:p>
+          <a:p>
+            <a:r>
+              <a:rPr lang="ko-KR" altLang="en-US" sz="1400" dirty="0"/>
+              <a:t>생존자</a:t>
+            </a:r>
+          </a:p>
+          <a:p>
+            <a:r>
+              <a:rPr lang="en-US" altLang="ko-KR" sz="1400" dirty="0"/>
+              <a:t>- </a:t>
+            </a:r>
+            <a:r>
+              <a:rPr lang="ko-KR" altLang="en-US" sz="1400" dirty="0"/>
+              <a:t>건강한 상태 </a:t>
+            </a:r>
+            <a:r>
+              <a:rPr lang="en-US" altLang="ko-KR" sz="1400" dirty="0"/>
+              <a:t>/ </a:t>
+            </a:r>
+            <a:r>
+              <a:rPr lang="ko-KR" altLang="en-US" sz="1400" dirty="0"/>
+              <a:t>부상당한 상태 </a:t>
+            </a:r>
+            <a:r>
+              <a:rPr lang="en-US" altLang="ko-KR" sz="1400" dirty="0"/>
+              <a:t>/ </a:t>
+            </a:r>
+            <a:r>
+              <a:rPr lang="ko-KR" altLang="en-US" sz="1400" dirty="0"/>
+              <a:t>죽어가는 상태 </a:t>
+            </a:r>
+          </a:p>
+          <a:p>
+            <a:r>
+              <a:rPr lang="en-US" altLang="ko-KR" sz="1400" dirty="0"/>
+              <a:t>- </a:t>
+            </a:r>
+            <a:r>
+              <a:rPr lang="ko-KR" altLang="en-US" sz="1400" dirty="0"/>
+              <a:t>잡혔을 때 저항 시 </a:t>
+            </a:r>
+            <a:r>
+              <a:rPr lang="en-US" altLang="ko-KR" sz="1400" dirty="0"/>
+              <a:t>3</a:t>
+            </a:r>
+            <a:r>
+              <a:rPr lang="ko-KR" altLang="en-US" sz="1400" dirty="0" err="1"/>
+              <a:t>초기절</a:t>
+            </a:r>
+            <a:r>
+              <a:rPr lang="en-US" altLang="ko-KR" sz="1400" dirty="0"/>
+              <a:t>, </a:t>
+            </a:r>
+            <a:r>
+              <a:rPr lang="ko-KR" altLang="en-US" sz="1400" dirty="0"/>
+              <a:t>놓침</a:t>
+            </a:r>
+          </a:p>
+          <a:p>
+            <a:r>
+              <a:rPr lang="en-US" altLang="ko-KR" sz="1400" dirty="0"/>
+              <a:t>- </a:t>
+            </a:r>
+            <a:r>
+              <a:rPr lang="ko-KR" altLang="en-US" sz="1400" dirty="0"/>
+              <a:t>기어가기</a:t>
+            </a:r>
+          </a:p>
+          <a:p>
+            <a:r>
+              <a:rPr lang="en-US" altLang="ko-KR" sz="1400" dirty="0"/>
+              <a:t>- </a:t>
+            </a:r>
+            <a:r>
+              <a:rPr lang="ko-KR" altLang="en-US" sz="1400" dirty="0"/>
+              <a:t>발전기 수리 </a:t>
+            </a:r>
+            <a:r>
+              <a:rPr lang="en-US" altLang="ko-KR" sz="1400" dirty="0"/>
+              <a:t>/ </a:t>
+            </a:r>
+            <a:r>
+              <a:rPr lang="ko-KR" altLang="en-US" sz="1400" dirty="0" err="1"/>
+              <a:t>판자넘기</a:t>
+            </a:r>
+            <a:r>
+              <a:rPr lang="ko-KR" altLang="en-US" sz="1400" dirty="0"/>
+              <a:t> </a:t>
+            </a:r>
+            <a:r>
+              <a:rPr lang="en-US" altLang="ko-KR" sz="1400" dirty="0"/>
+              <a:t>/ </a:t>
+            </a:r>
+            <a:r>
+              <a:rPr lang="ko-KR" altLang="en-US" sz="1400" dirty="0"/>
+              <a:t>생존자 구출 </a:t>
+            </a:r>
+            <a:r>
+              <a:rPr lang="en-US" altLang="ko-KR" sz="1400" dirty="0"/>
+              <a:t>/ </a:t>
+            </a:r>
+            <a:r>
+              <a:rPr lang="ko-KR" altLang="en-US" sz="1400" dirty="0"/>
+              <a:t>치료</a:t>
+            </a:r>
+          </a:p>
+          <a:p>
+            <a:r>
+              <a:rPr lang="en-US" altLang="ko-KR" sz="1400" dirty="0"/>
+              <a:t>- </a:t>
+            </a:r>
+            <a:r>
+              <a:rPr lang="ko-KR" altLang="en-US" sz="1400" dirty="0"/>
+              <a:t>술래에게 피격 후 빈사가 아니라면 </a:t>
+            </a:r>
+            <a:r>
+              <a:rPr lang="en-US" altLang="ko-KR" sz="1400" dirty="0"/>
+              <a:t>1.8</a:t>
+            </a:r>
+            <a:r>
+              <a:rPr lang="ko-KR" altLang="en-US" sz="1400" dirty="0" err="1"/>
+              <a:t>초동안</a:t>
+            </a:r>
+            <a:r>
+              <a:rPr lang="ko-KR" altLang="en-US" sz="1400" dirty="0"/>
+              <a:t> 이동속도 증가</a:t>
+            </a:r>
+          </a:p>
+          <a:p>
+            <a:r>
+              <a:rPr lang="en-US" altLang="ko-KR" sz="1400" dirty="0"/>
+              <a:t>- </a:t>
+            </a:r>
+            <a:r>
+              <a:rPr lang="ko-KR" altLang="en-US" sz="1400" dirty="0"/>
+              <a:t>빈사</a:t>
+            </a:r>
+            <a:r>
+              <a:rPr lang="en-US" altLang="ko-KR" sz="1400" dirty="0"/>
+              <a:t>(</a:t>
+            </a:r>
+            <a:r>
+              <a:rPr lang="ko-KR" altLang="en-US" sz="1400" dirty="0" err="1"/>
+              <a:t>죽어가는상태</a:t>
+            </a:r>
+            <a:r>
+              <a:rPr lang="en-US" altLang="ko-KR" sz="1400" dirty="0"/>
+              <a:t>) : </a:t>
+            </a:r>
+            <a:r>
+              <a:rPr lang="ko-KR" altLang="en-US" sz="1400" dirty="0"/>
+              <a:t>살인마가 집어들 수 있음 </a:t>
+            </a:r>
+            <a:r>
+              <a:rPr lang="en-US" altLang="ko-KR" sz="1400" dirty="0"/>
+              <a:t>/ </a:t>
+            </a:r>
+            <a:r>
+              <a:rPr lang="ko-KR" altLang="en-US" sz="1400" dirty="0"/>
+              <a:t>출혈</a:t>
+            </a:r>
+            <a:r>
+              <a:rPr lang="en-US" altLang="ko-KR" sz="1400" dirty="0"/>
+              <a:t>-4</a:t>
+            </a:r>
+            <a:r>
+              <a:rPr lang="ko-KR" altLang="en-US" sz="1400" dirty="0" err="1"/>
+              <a:t>분지속</a:t>
+            </a:r>
+            <a:r>
+              <a:rPr lang="ko-KR" altLang="en-US" sz="1400" dirty="0"/>
+              <a:t> 시 사망 </a:t>
+            </a:r>
+            <a:r>
+              <a:rPr lang="en-US" altLang="ko-KR" sz="1400" dirty="0"/>
+              <a:t>/ </a:t>
+            </a:r>
+            <a:r>
+              <a:rPr lang="ko-KR" altLang="en-US" sz="1400" dirty="0"/>
+              <a:t>동료의 치료필요</a:t>
+            </a:r>
+            <a:r>
+              <a:rPr lang="en-US" altLang="ko-KR" sz="1400" dirty="0"/>
+              <a:t>. </a:t>
+            </a:r>
+            <a:r>
+              <a:rPr lang="ko-KR" altLang="en-US" sz="1400" dirty="0" err="1"/>
+              <a:t>회복게이지에</a:t>
+            </a:r>
+            <a:r>
+              <a:rPr lang="ko-KR" altLang="en-US" sz="1400" dirty="0"/>
+              <a:t> 따른 시간소요</a:t>
+            </a:r>
+            <a:r>
+              <a:rPr lang="en-US" altLang="ko-KR" sz="1400" dirty="0"/>
+              <a:t>, </a:t>
+            </a:r>
+            <a:r>
+              <a:rPr lang="ko-KR" altLang="en-US" sz="1400" dirty="0"/>
+              <a:t>스스로 게이지를 채워 치료시간 단축 가능  </a:t>
+            </a:r>
+          </a:p>
+          <a:p>
+            <a:r>
+              <a:rPr lang="en-US" altLang="ko-KR" sz="1400" dirty="0"/>
+              <a:t>- </a:t>
+            </a:r>
+            <a:r>
+              <a:rPr lang="ko-KR" altLang="en-US" sz="1400" dirty="0"/>
+              <a:t>기회 </a:t>
+            </a:r>
+            <a:r>
+              <a:rPr lang="en-US" altLang="ko-KR" sz="1400" dirty="0"/>
+              <a:t>: </a:t>
+            </a:r>
+            <a:r>
+              <a:rPr lang="ko-KR" altLang="en-US" sz="1400" dirty="0"/>
+              <a:t>덫에 걸렸을 때 </a:t>
+            </a:r>
+            <a:r>
+              <a:rPr lang="en-US" altLang="ko-KR" sz="1400" dirty="0"/>
+              <a:t>16%</a:t>
+            </a:r>
+            <a:r>
+              <a:rPr lang="ko-KR" altLang="en-US" sz="1400" dirty="0"/>
+              <a:t>확률로 탈출 가능 </a:t>
+            </a:r>
+            <a:r>
+              <a:rPr lang="en-US" altLang="ko-KR" sz="1400" dirty="0"/>
+              <a:t>/ </a:t>
+            </a:r>
+            <a:r>
+              <a:rPr lang="ko-KR" altLang="en-US" sz="1400" dirty="0"/>
+              <a:t>탈출</a:t>
+            </a:r>
+            <a:r>
+              <a:rPr lang="en-US" altLang="ko-KR" sz="1400" dirty="0"/>
+              <a:t>, </a:t>
+            </a:r>
+            <a:r>
+              <a:rPr lang="ko-KR" altLang="en-US" sz="1400" dirty="0"/>
+              <a:t>구출 시 부상당한 상태</a:t>
+            </a:r>
+          </a:p>
+          <a:p>
+            <a:r>
+              <a:rPr lang="ko-KR" altLang="en-US" sz="1400" dirty="0"/>
+              <a:t>	술래에게 붙잡혔을 때 저항하며 </a:t>
+            </a:r>
+            <a:r>
+              <a:rPr lang="ko-KR" altLang="en-US" sz="1400" dirty="0" err="1"/>
+              <a:t>탈출게이지</a:t>
+            </a:r>
+            <a:r>
+              <a:rPr lang="ko-KR" altLang="en-US" sz="1400" dirty="0"/>
+              <a:t> 차오르고 탈출 가능 </a:t>
+            </a:r>
+            <a:r>
+              <a:rPr lang="en-US" altLang="ko-KR" sz="1400" dirty="0"/>
+              <a:t>/ </a:t>
+            </a:r>
+            <a:r>
+              <a:rPr lang="ko-KR" altLang="en-US" sz="1400" dirty="0"/>
+              <a:t>중간에 </a:t>
+            </a:r>
+            <a:r>
+              <a:rPr lang="ko-KR" altLang="en-US" sz="1400" dirty="0" err="1"/>
+              <a:t>스킬체크</a:t>
+            </a:r>
+            <a:r>
+              <a:rPr lang="en-US" altLang="ko-KR" sz="1400" dirty="0"/>
+              <a:t>-&gt;</a:t>
+            </a:r>
+            <a:r>
+              <a:rPr lang="ko-KR" altLang="en-US" sz="1400" dirty="0"/>
+              <a:t>이동방해</a:t>
+            </a:r>
+          </a:p>
+          <a:p>
+            <a:r>
+              <a:rPr lang="ko-KR" altLang="en-US" sz="1400" dirty="0"/>
+              <a:t>	갈고리에 걸렸을 시 </a:t>
+            </a:r>
+            <a:r>
+              <a:rPr lang="ko-KR" altLang="en-US" sz="1400" dirty="0" err="1"/>
+              <a:t>스킬체크</a:t>
+            </a:r>
+            <a:r>
+              <a:rPr lang="ko-KR" altLang="en-US" sz="1400" dirty="0"/>
+              <a:t> </a:t>
+            </a:r>
+            <a:r>
+              <a:rPr lang="en-US" altLang="ko-KR" sz="1400" dirty="0"/>
+              <a:t>/ </a:t>
+            </a:r>
+            <a:r>
+              <a:rPr lang="ko-KR" altLang="en-US" sz="1400" dirty="0"/>
+              <a:t>체력이 </a:t>
+            </a:r>
+            <a:r>
+              <a:rPr lang="en-US" altLang="ko-KR" sz="1400" dirty="0"/>
+              <a:t>50%</a:t>
+            </a:r>
+            <a:r>
+              <a:rPr lang="ko-KR" altLang="en-US" sz="1400" dirty="0"/>
+              <a:t>되기전에 탈출시도 가능 </a:t>
+            </a:r>
+            <a:r>
+              <a:rPr lang="en-US" altLang="ko-KR" sz="1400" dirty="0"/>
+              <a:t>- 4%</a:t>
+            </a:r>
+            <a:r>
+              <a:rPr lang="ko-KR" altLang="en-US" sz="1400" dirty="0"/>
+              <a:t>확률로 탈출</a:t>
+            </a:r>
+            <a:r>
+              <a:rPr lang="en-US" altLang="ko-KR" sz="1400" dirty="0"/>
+              <a:t>, </a:t>
+            </a:r>
+            <a:r>
+              <a:rPr lang="ko-KR" altLang="en-US" sz="1400" dirty="0"/>
+              <a:t>실패 시 </a:t>
+            </a:r>
+            <a:r>
+              <a:rPr lang="en-US" altLang="ko-KR" sz="1400" dirty="0"/>
+              <a:t>22%</a:t>
+            </a:r>
+            <a:r>
+              <a:rPr lang="ko-KR" altLang="en-US" sz="1400" dirty="0"/>
+              <a:t>감소</a:t>
+            </a:r>
+          </a:p>
+          <a:p>
+            <a:r>
+              <a:rPr lang="ko-KR" altLang="en-US" sz="1400" dirty="0"/>
+              <a:t>	갈고리에서 체력 전부 잃으면 사망</a:t>
+            </a:r>
+            <a:r>
+              <a:rPr lang="en-US" altLang="ko-KR" sz="1400" dirty="0"/>
+              <a:t>(</a:t>
+            </a:r>
+            <a:r>
+              <a:rPr lang="ko-KR" altLang="en-US" sz="1400" dirty="0"/>
+              <a:t>가시 이벤트</a:t>
+            </a:r>
+            <a:r>
+              <a:rPr lang="en-US" altLang="ko-KR" sz="1400" dirty="0"/>
+              <a:t>)</a:t>
             </a:r>
           </a:p>
         </p:txBody>
@@ -3436,6 +4059,4244 @@
     <p:extLst>
       <p:ext uri="{BB962C8B-B14F-4D97-AF65-F5344CB8AC3E}">
         <p14:creationId xmlns:p14="http://schemas.microsoft.com/office/powerpoint/2010/main" val="3247927491"/>
+      </p:ext>
+    </p:extLst>
+  </p:cSld>
+  <p:clrMapOvr>
+    <a:masterClrMapping/>
+  </p:clrMapOvr>
+</p:sld>
+</file>
+
+<file path=ppt/slides/slide3.xml><?xml version="1.0" encoding="utf-8"?>
+<p:sld xmlns:a="http://schemas.openxmlformats.org/drawingml/2006/main" xmlns:r="http://schemas.openxmlformats.org/officeDocument/2006/relationships" xmlns:p="http://schemas.openxmlformats.org/presentationml/2006/main">
+  <p:cSld>
+    <p:spTree>
+      <p:nvGrpSpPr>
+        <p:cNvPr id="1" name=""/>
+        <p:cNvGrpSpPr/>
+        <p:nvPr/>
+      </p:nvGrpSpPr>
+      <p:grpSpPr>
+        <a:xfrm>
+          <a:off x="0" y="0"/>
+          <a:ext cx="0" cy="0"/>
+          <a:chOff x="0" y="0"/>
+          <a:chExt cx="0" cy="0"/>
+        </a:xfrm>
+      </p:grpSpPr>
+      <p:sp>
+        <p:nvSpPr>
+          <p:cNvPr id="4" name="TextBox 3">
+            <a:extLst>
+              <a:ext uri="{FF2B5EF4-FFF2-40B4-BE49-F238E27FC236}">
+                <a16:creationId xmlns:a16="http://schemas.microsoft.com/office/drawing/2014/main" id="{075E5029-557C-EFF5-81B5-74EA1B7A7E81}"/>
+              </a:ext>
+            </a:extLst>
+          </p:cNvPr>
+          <p:cNvSpPr txBox="1"/>
+          <p:nvPr/>
+        </p:nvSpPr>
+        <p:spPr>
+          <a:xfrm>
+            <a:off x="374650" y="354568"/>
+            <a:ext cx="2622550" cy="646331"/>
+          </a:xfrm>
+          <a:prstGeom prst="rect">
+            <a:avLst/>
+          </a:prstGeom>
+          <a:noFill/>
+        </p:spPr>
+        <p:txBody>
+          <a:bodyPr wrap="square" rtlCol="0">
+            <a:spAutoFit/>
+          </a:bodyPr>
+          <a:lstStyle/>
+          <a:p>
+            <a:r>
+              <a:rPr lang="ko-KR" altLang="en-US" dirty="0"/>
+              <a:t>레퍼런스 게임 분석 </a:t>
+            </a:r>
+            <a:endParaRPr lang="en-US" altLang="ko-KR" dirty="0"/>
+          </a:p>
+          <a:p>
+            <a:r>
+              <a:rPr lang="en-US" altLang="ko-KR" dirty="0"/>
+              <a:t>- </a:t>
+            </a:r>
+            <a:r>
+              <a:rPr lang="ko-KR" altLang="en-US" dirty="0"/>
+              <a:t>클라이언트</a:t>
+            </a:r>
+            <a:endParaRPr lang="en-US" altLang="ko-KR" dirty="0"/>
+          </a:p>
+        </p:txBody>
+      </p:sp>
+      <p:sp>
+        <p:nvSpPr>
+          <p:cNvPr id="2" name="TextBox 1">
+            <a:extLst>
+              <a:ext uri="{FF2B5EF4-FFF2-40B4-BE49-F238E27FC236}">
+                <a16:creationId xmlns:a16="http://schemas.microsoft.com/office/drawing/2014/main" id="{A871E0DF-B08E-B015-F3B4-10DB5E292EE4}"/>
+              </a:ext>
+            </a:extLst>
+          </p:cNvPr>
+          <p:cNvSpPr txBox="1"/>
+          <p:nvPr/>
+        </p:nvSpPr>
+        <p:spPr>
+          <a:xfrm>
+            <a:off x="873125" y="1437238"/>
+            <a:ext cx="9112250" cy="3754874"/>
+          </a:xfrm>
+          <a:prstGeom prst="rect">
+            <a:avLst/>
+          </a:prstGeom>
+          <a:noFill/>
+        </p:spPr>
+        <p:txBody>
+          <a:bodyPr wrap="square" rtlCol="0">
+            <a:spAutoFit/>
+          </a:bodyPr>
+          <a:lstStyle/>
+          <a:p>
+            <a:r>
+              <a:rPr lang="ko-KR" altLang="en-US" sz="1400" dirty="0"/>
+              <a:t>맵</a:t>
+            </a:r>
+          </a:p>
+          <a:p>
+            <a:r>
+              <a:rPr lang="ko-KR" altLang="en-US" sz="1400" dirty="0"/>
+              <a:t>발전기 </a:t>
+            </a:r>
+            <a:r>
+              <a:rPr lang="en-US" altLang="ko-KR" sz="1400" dirty="0"/>
+              <a:t>: </a:t>
+            </a:r>
+            <a:r>
+              <a:rPr lang="ko-KR" altLang="en-US" sz="1400" dirty="0" err="1"/>
+              <a:t>맵에</a:t>
+            </a:r>
+            <a:r>
+              <a:rPr lang="ko-KR" altLang="en-US" sz="1400" dirty="0"/>
+              <a:t> </a:t>
+            </a:r>
+            <a:r>
+              <a:rPr lang="en-US" altLang="ko-KR" sz="1400" dirty="0"/>
+              <a:t>7</a:t>
+            </a:r>
+            <a:r>
+              <a:rPr lang="ko-KR" altLang="en-US" sz="1400" dirty="0" err="1"/>
+              <a:t>개배치</a:t>
+            </a:r>
+            <a:r>
+              <a:rPr lang="en-US" altLang="ko-KR" sz="1400" dirty="0"/>
+              <a:t>, 5</a:t>
+            </a:r>
+            <a:r>
+              <a:rPr lang="ko-KR" altLang="en-US" sz="1400" dirty="0"/>
+              <a:t>개의 발전기 수리 시 출구 열림</a:t>
+            </a:r>
+          </a:p>
+          <a:p>
+            <a:r>
+              <a:rPr lang="ko-KR" altLang="en-US" sz="1400" dirty="0"/>
+              <a:t>		협업 시 수리속도 </a:t>
+            </a:r>
+            <a:r>
+              <a:rPr lang="ko-KR" altLang="en-US" sz="1400" dirty="0" err="1"/>
+              <a:t>빨라짐</a:t>
+            </a:r>
+            <a:r>
+              <a:rPr lang="ko-KR" altLang="en-US" sz="1400" dirty="0"/>
+              <a:t> </a:t>
+            </a:r>
+            <a:r>
+              <a:rPr lang="en-US" altLang="ko-KR" sz="1400" dirty="0"/>
+              <a:t>/ </a:t>
+            </a:r>
+            <a:r>
+              <a:rPr lang="en-US" altLang="ko-KR" sz="1400" dirty="0" err="1"/>
+              <a:t>qte</a:t>
+            </a:r>
+            <a:r>
+              <a:rPr lang="ko-KR" altLang="en-US" sz="1400" dirty="0"/>
+              <a:t>성공 시 </a:t>
+            </a:r>
+            <a:r>
+              <a:rPr lang="en-US" altLang="ko-KR" sz="1400" dirty="0"/>
+              <a:t>1%</a:t>
+            </a:r>
+            <a:r>
+              <a:rPr lang="ko-KR" altLang="en-US" sz="1400" dirty="0"/>
+              <a:t>보너스</a:t>
+            </a:r>
+            <a:r>
+              <a:rPr lang="en-US" altLang="ko-KR" sz="1400" dirty="0"/>
+              <a:t>, </a:t>
+            </a:r>
+            <a:r>
+              <a:rPr lang="ko-KR" altLang="en-US" sz="1400" dirty="0"/>
+              <a:t>실패 시 </a:t>
+            </a:r>
+            <a:r>
+              <a:rPr lang="en-US" altLang="ko-KR" sz="1400" dirty="0"/>
+              <a:t>10% </a:t>
+            </a:r>
+            <a:r>
+              <a:rPr lang="ko-KR" altLang="en-US" sz="1400" dirty="0"/>
+              <a:t>깎임</a:t>
+            </a:r>
+          </a:p>
+          <a:p>
+            <a:r>
+              <a:rPr lang="ko-KR" altLang="en-US" sz="1400" dirty="0"/>
+              <a:t>	술래는 발전기 손상시킬 수 있음</a:t>
+            </a:r>
+          </a:p>
+          <a:p>
+            <a:r>
+              <a:rPr lang="ko-KR" altLang="en-US" sz="1400" dirty="0"/>
+              <a:t>갈고리 </a:t>
+            </a:r>
+            <a:r>
+              <a:rPr lang="en-US" altLang="ko-KR" sz="1400" dirty="0"/>
+              <a:t>: </a:t>
+            </a:r>
+            <a:r>
+              <a:rPr lang="ko-KR" altLang="en-US" sz="1400" dirty="0"/>
+              <a:t>맵 곳곳에 랜덤배치</a:t>
+            </a:r>
+          </a:p>
+          <a:p>
+            <a:r>
+              <a:rPr lang="ko-KR" altLang="en-US" sz="1400" dirty="0"/>
+              <a:t>	생존자의 체력에 따라</a:t>
+            </a:r>
+          </a:p>
+          <a:p>
+            <a:r>
+              <a:rPr lang="ko-KR" altLang="en-US" sz="1400" dirty="0"/>
+              <a:t>	</a:t>
+            </a:r>
+            <a:r>
+              <a:rPr lang="en-US" altLang="ko-KR" sz="1400" dirty="0"/>
+              <a:t>100%~51% : </a:t>
+            </a:r>
+            <a:r>
+              <a:rPr lang="ko-KR" altLang="en-US" sz="1400" dirty="0"/>
+              <a:t>탈출시도 가능 </a:t>
+            </a:r>
+            <a:r>
+              <a:rPr lang="en-US" altLang="ko-KR" sz="1400" dirty="0"/>
+              <a:t>- 4%, </a:t>
+            </a:r>
+            <a:r>
+              <a:rPr lang="ko-KR" altLang="en-US" sz="1400" dirty="0"/>
+              <a:t>실패 시 체력감소</a:t>
+            </a:r>
+          </a:p>
+          <a:p>
+            <a:r>
+              <a:rPr lang="ko-KR" altLang="en-US" sz="1400" dirty="0"/>
+              <a:t>	</a:t>
+            </a:r>
+            <a:r>
+              <a:rPr lang="en-US" altLang="ko-KR" sz="1400" dirty="0"/>
+              <a:t>50%~1% : </a:t>
+            </a:r>
+            <a:r>
+              <a:rPr lang="ko-KR" altLang="en-US" sz="1400" dirty="0" err="1"/>
+              <a:t>스킬체크</a:t>
+            </a:r>
+            <a:r>
+              <a:rPr lang="ko-KR" altLang="en-US" sz="1400" dirty="0"/>
+              <a:t> 수행하며 저항 가능</a:t>
+            </a:r>
+          </a:p>
+          <a:p>
+            <a:r>
+              <a:rPr lang="ko-KR" altLang="en-US" sz="1400" dirty="0"/>
+              <a:t>	</a:t>
+            </a:r>
+            <a:r>
+              <a:rPr lang="en-US" altLang="ko-KR" sz="1400" dirty="0"/>
+              <a:t>0% : </a:t>
+            </a:r>
+            <a:r>
+              <a:rPr lang="ko-KR" altLang="en-US" sz="1400" dirty="0"/>
+              <a:t>체력 감소 </a:t>
+            </a:r>
+            <a:r>
+              <a:rPr lang="en-US" altLang="ko-KR" sz="1400" dirty="0"/>
+              <a:t>or </a:t>
+            </a:r>
+            <a:r>
+              <a:rPr lang="ko-KR" altLang="en-US" sz="1400" dirty="0" err="1"/>
+              <a:t>스킬체크</a:t>
+            </a:r>
+            <a:r>
+              <a:rPr lang="ko-KR" altLang="en-US" sz="1400" dirty="0"/>
+              <a:t> </a:t>
+            </a:r>
+            <a:r>
+              <a:rPr lang="en-US" altLang="ko-KR" sz="1400" dirty="0"/>
+              <a:t>2</a:t>
+            </a:r>
+            <a:r>
+              <a:rPr lang="ko-KR" altLang="en-US" sz="1400" dirty="0"/>
+              <a:t>연속실패 </a:t>
+            </a:r>
+            <a:r>
+              <a:rPr lang="en-US" altLang="ko-KR" sz="1400" dirty="0"/>
+              <a:t>or </a:t>
+            </a:r>
+            <a:r>
+              <a:rPr lang="ko-KR" altLang="en-US" sz="1400" dirty="0"/>
+              <a:t>유일한 생존자일때 걸렸을 때 </a:t>
+            </a:r>
+          </a:p>
+          <a:p>
+            <a:r>
+              <a:rPr lang="ko-KR" altLang="en-US" sz="1400" dirty="0"/>
+              <a:t>상자 </a:t>
+            </a:r>
+            <a:r>
+              <a:rPr lang="en-US" altLang="ko-KR" sz="1400" dirty="0"/>
+              <a:t>: </a:t>
+            </a:r>
+            <a:r>
+              <a:rPr lang="ko-KR" altLang="en-US" sz="1400" dirty="0" err="1"/>
+              <a:t>맵에</a:t>
+            </a:r>
+            <a:r>
+              <a:rPr lang="ko-KR" altLang="en-US" sz="1400" dirty="0"/>
+              <a:t> </a:t>
+            </a:r>
+            <a:r>
+              <a:rPr lang="en-US" altLang="ko-KR" sz="1400" dirty="0"/>
+              <a:t>3</a:t>
+            </a:r>
+            <a:r>
+              <a:rPr lang="ko-KR" altLang="en-US" sz="1400" dirty="0"/>
+              <a:t>개 생성</a:t>
+            </a:r>
+            <a:r>
+              <a:rPr lang="en-US" altLang="ko-KR" sz="1400" dirty="0"/>
+              <a:t>, (</a:t>
+            </a:r>
+            <a:r>
+              <a:rPr lang="ko-KR" altLang="en-US" sz="1400" dirty="0"/>
+              <a:t>하나는 지하실</a:t>
+            </a:r>
+            <a:r>
+              <a:rPr lang="en-US" altLang="ko-KR" sz="1400" dirty="0"/>
+              <a:t>). </a:t>
+            </a:r>
+            <a:r>
+              <a:rPr lang="ko-KR" altLang="en-US" sz="1400" dirty="0"/>
+              <a:t>각종 아이템</a:t>
+            </a:r>
+          </a:p>
+          <a:p>
+            <a:r>
+              <a:rPr lang="ko-KR" altLang="en-US" sz="1400" dirty="0"/>
+              <a:t>판자 </a:t>
+            </a:r>
+            <a:r>
+              <a:rPr lang="en-US" altLang="ko-KR" sz="1400" dirty="0"/>
+              <a:t>: </a:t>
+            </a:r>
+            <a:r>
+              <a:rPr lang="ko-KR" altLang="en-US" sz="1400" dirty="0"/>
+              <a:t>살인마를 </a:t>
+            </a:r>
+            <a:r>
+              <a:rPr lang="ko-KR" altLang="en-US" sz="1400" dirty="0" err="1"/>
+              <a:t>기절시킬</a:t>
+            </a:r>
+            <a:r>
+              <a:rPr lang="ko-KR" altLang="en-US" sz="1400" dirty="0"/>
+              <a:t> 수 있는 수단</a:t>
+            </a:r>
+            <a:r>
+              <a:rPr lang="en-US" altLang="ko-KR" sz="1400" dirty="0"/>
+              <a:t>. </a:t>
+            </a:r>
+            <a:r>
+              <a:rPr lang="ko-KR" altLang="en-US" sz="1400" dirty="0" err="1"/>
+              <a:t>세워져있는</a:t>
+            </a:r>
+            <a:r>
+              <a:rPr lang="ko-KR" altLang="en-US" sz="1400" dirty="0"/>
+              <a:t> 상태로 배치</a:t>
+            </a:r>
+          </a:p>
+          <a:p>
+            <a:r>
+              <a:rPr lang="ko-KR" altLang="en-US" sz="1400" dirty="0"/>
+              <a:t>	생존자는 판자를 쓰러뜨려 길을 막을 수 있음</a:t>
+            </a:r>
+            <a:r>
+              <a:rPr lang="en-US" altLang="ko-KR" sz="1400" dirty="0"/>
+              <a:t>. </a:t>
+            </a:r>
+            <a:r>
+              <a:rPr lang="ko-KR" altLang="en-US" sz="1400" dirty="0"/>
+              <a:t>이 때 살인마가 근접한 상태라면</a:t>
+            </a:r>
+          </a:p>
+          <a:p>
+            <a:r>
+              <a:rPr lang="ko-KR" altLang="en-US" sz="1400" dirty="0"/>
+              <a:t>	</a:t>
+            </a:r>
+            <a:r>
+              <a:rPr lang="ko-KR" altLang="en-US" sz="1400" dirty="0" err="1"/>
+              <a:t>뒤로밀치며</a:t>
+            </a:r>
+            <a:r>
+              <a:rPr lang="ko-KR" altLang="en-US" sz="1400" dirty="0"/>
+              <a:t> </a:t>
+            </a:r>
+            <a:r>
+              <a:rPr lang="en-US" altLang="ko-KR" sz="1400" dirty="0"/>
+              <a:t>2</a:t>
+            </a:r>
+            <a:r>
+              <a:rPr lang="ko-KR" altLang="en-US" sz="1400" dirty="0"/>
+              <a:t>초 기절</a:t>
+            </a:r>
+          </a:p>
+          <a:p>
+            <a:r>
+              <a:rPr lang="ko-KR" altLang="en-US" sz="1400" dirty="0"/>
+              <a:t>지하실 </a:t>
+            </a:r>
+            <a:r>
+              <a:rPr lang="en-US" altLang="ko-KR" sz="1400" dirty="0"/>
+              <a:t>: </a:t>
+            </a:r>
+            <a:r>
+              <a:rPr lang="ko-KR" altLang="en-US" sz="1400" dirty="0" err="1"/>
+              <a:t>맵당</a:t>
+            </a:r>
+            <a:r>
+              <a:rPr lang="ko-KR" altLang="en-US" sz="1400" dirty="0"/>
+              <a:t> 하나 상자</a:t>
+            </a:r>
+            <a:r>
+              <a:rPr lang="en-US" altLang="ko-KR" sz="1400" dirty="0"/>
+              <a:t>, </a:t>
+            </a:r>
+            <a:r>
+              <a:rPr lang="ko-KR" altLang="en-US" sz="1400" dirty="0"/>
+              <a:t>갈고리</a:t>
+            </a:r>
+            <a:r>
+              <a:rPr lang="en-US" altLang="ko-KR" sz="1400" dirty="0"/>
+              <a:t>, </a:t>
+            </a:r>
+            <a:r>
+              <a:rPr lang="ko-KR" altLang="en-US" sz="1400" dirty="0"/>
+              <a:t>캐비닛  </a:t>
+            </a:r>
+          </a:p>
+          <a:p>
+            <a:r>
+              <a:rPr lang="ko-KR" altLang="en-US" sz="1400" dirty="0"/>
+              <a:t>캐비닛 </a:t>
+            </a:r>
+            <a:r>
+              <a:rPr lang="en-US" altLang="ko-KR" sz="1400" dirty="0"/>
+              <a:t>: </a:t>
+            </a:r>
+            <a:r>
+              <a:rPr lang="ko-KR" altLang="en-US" sz="1400" dirty="0"/>
+              <a:t>숨을 수 있다</a:t>
+            </a:r>
+            <a:r>
+              <a:rPr lang="en-US" altLang="ko-KR" sz="1400" dirty="0"/>
+              <a:t>.</a:t>
+            </a:r>
+          </a:p>
+          <a:p>
+            <a:r>
+              <a:rPr lang="ko-KR" altLang="en-US" sz="1400" dirty="0"/>
+              <a:t>창문 </a:t>
+            </a:r>
+            <a:r>
+              <a:rPr lang="en-US" altLang="ko-KR" sz="1400" dirty="0"/>
+              <a:t>: </a:t>
+            </a:r>
+            <a:r>
+              <a:rPr lang="ko-KR" altLang="en-US" sz="1400" dirty="0" err="1"/>
+              <a:t>파쿠르할</a:t>
+            </a:r>
+            <a:r>
+              <a:rPr lang="ko-KR" altLang="en-US" sz="1400" dirty="0"/>
+              <a:t> 수 있다</a:t>
+            </a:r>
+            <a:r>
+              <a:rPr lang="en-US" altLang="ko-KR" sz="1400" dirty="0"/>
+              <a:t>.</a:t>
+            </a:r>
+          </a:p>
+          <a:p>
+            <a:r>
+              <a:rPr lang="ko-KR" altLang="en-US" sz="1400" dirty="0"/>
+              <a:t>부술 수 있는 벽 </a:t>
+            </a:r>
+            <a:r>
+              <a:rPr lang="en-US" altLang="ko-KR" sz="1400" dirty="0"/>
+              <a:t>: </a:t>
+            </a:r>
+            <a:r>
+              <a:rPr lang="ko-KR" altLang="en-US" sz="1400" dirty="0"/>
+              <a:t>부술 수 있다</a:t>
+            </a:r>
+            <a:r>
+              <a:rPr lang="en-US" altLang="ko-KR" sz="1400" dirty="0"/>
+              <a:t>.</a:t>
+            </a:r>
+          </a:p>
+        </p:txBody>
+      </p:sp>
+    </p:spTree>
+    <p:extLst>
+      <p:ext uri="{BB962C8B-B14F-4D97-AF65-F5344CB8AC3E}">
+        <p14:creationId xmlns:p14="http://schemas.microsoft.com/office/powerpoint/2010/main" val="3846267096"/>
+      </p:ext>
+    </p:extLst>
+  </p:cSld>
+  <p:clrMapOvr>
+    <a:masterClrMapping/>
+  </p:clrMapOvr>
+</p:sld>
+</file>
+
+<file path=ppt/slides/slide4.xml><?xml version="1.0" encoding="utf-8"?>
+<p:sld xmlns:a="http://schemas.openxmlformats.org/drawingml/2006/main" xmlns:r="http://schemas.openxmlformats.org/officeDocument/2006/relationships" xmlns:p="http://schemas.openxmlformats.org/presentationml/2006/main">
+  <p:cSld>
+    <p:spTree>
+      <p:nvGrpSpPr>
+        <p:cNvPr id="1" name=""/>
+        <p:cNvGrpSpPr/>
+        <p:nvPr/>
+      </p:nvGrpSpPr>
+      <p:grpSpPr>
+        <a:xfrm>
+          <a:off x="0" y="0"/>
+          <a:ext cx="0" cy="0"/>
+          <a:chOff x="0" y="0"/>
+          <a:chExt cx="0" cy="0"/>
+        </a:xfrm>
+      </p:grpSpPr>
+      <p:sp>
+        <p:nvSpPr>
+          <p:cNvPr id="4" name="TextBox 3">
+            <a:extLst>
+              <a:ext uri="{FF2B5EF4-FFF2-40B4-BE49-F238E27FC236}">
+                <a16:creationId xmlns:a16="http://schemas.microsoft.com/office/drawing/2014/main" id="{075E5029-557C-EFF5-81B5-74EA1B7A7E81}"/>
+              </a:ext>
+            </a:extLst>
+          </p:cNvPr>
+          <p:cNvSpPr txBox="1"/>
+          <p:nvPr/>
+        </p:nvSpPr>
+        <p:spPr>
+          <a:xfrm>
+            <a:off x="374650" y="354568"/>
+            <a:ext cx="2622550" cy="646331"/>
+          </a:xfrm>
+          <a:prstGeom prst="rect">
+            <a:avLst/>
+          </a:prstGeom>
+          <a:noFill/>
+        </p:spPr>
+        <p:txBody>
+          <a:bodyPr wrap="square" rtlCol="0">
+            <a:spAutoFit/>
+          </a:bodyPr>
+          <a:lstStyle/>
+          <a:p>
+            <a:r>
+              <a:rPr lang="ko-KR" altLang="en-US" dirty="0"/>
+              <a:t>레퍼런스 게임 분석</a:t>
+            </a:r>
+            <a:endParaRPr lang="en-US" altLang="ko-KR" dirty="0"/>
+          </a:p>
+          <a:p>
+            <a:r>
+              <a:rPr lang="en-US" altLang="ko-KR" dirty="0"/>
+              <a:t>-</a:t>
+            </a:r>
+            <a:r>
+              <a:rPr lang="ko-KR" altLang="en-US" dirty="0"/>
+              <a:t> 서버</a:t>
+            </a:r>
+          </a:p>
+        </p:txBody>
+      </p:sp>
+      <p:sp>
+        <p:nvSpPr>
+          <p:cNvPr id="3" name="TextBox 2">
+            <a:extLst>
+              <a:ext uri="{FF2B5EF4-FFF2-40B4-BE49-F238E27FC236}">
+                <a16:creationId xmlns:a16="http://schemas.microsoft.com/office/drawing/2014/main" id="{C41B68D6-B16E-D8CC-D77F-F969C1BCCA9B}"/>
+              </a:ext>
+            </a:extLst>
+          </p:cNvPr>
+          <p:cNvSpPr txBox="1"/>
+          <p:nvPr/>
+        </p:nvSpPr>
+        <p:spPr>
+          <a:xfrm>
+            <a:off x="844550" y="1200150"/>
+            <a:ext cx="9410700" cy="5047536"/>
+          </a:xfrm>
+          <a:prstGeom prst="rect">
+            <a:avLst/>
+          </a:prstGeom>
+          <a:noFill/>
+        </p:spPr>
+        <p:txBody>
+          <a:bodyPr wrap="square" rtlCol="0">
+            <a:spAutoFit/>
+          </a:bodyPr>
+          <a:lstStyle/>
+          <a:p>
+            <a:r>
+              <a:rPr lang="en-US" altLang="ko-KR" sz="1400" dirty="0"/>
+              <a:t>1. </a:t>
+            </a:r>
+            <a:r>
+              <a:rPr lang="ko-KR" altLang="en-US" sz="1400" dirty="0"/>
+              <a:t>네트워크 통신</a:t>
+            </a:r>
+          </a:p>
+          <a:p>
+            <a:r>
+              <a:rPr lang="en-US" altLang="ko-KR" sz="1400" dirty="0"/>
+              <a:t>- IOCP </a:t>
+            </a:r>
+            <a:r>
+              <a:rPr lang="ko-KR" altLang="en-US" sz="1400" dirty="0"/>
+              <a:t>모델 </a:t>
+            </a:r>
+            <a:r>
+              <a:rPr lang="en-US" altLang="ko-KR" sz="1400" dirty="0"/>
+              <a:t>: </a:t>
+            </a:r>
+            <a:r>
+              <a:rPr lang="ko-KR" altLang="en-US" sz="1400" dirty="0"/>
+              <a:t>비동기 입출력을 사용하여 높은 성능과 확장성을 제공</a:t>
+            </a:r>
+            <a:r>
+              <a:rPr lang="en-US" altLang="ko-KR" sz="1400" dirty="0"/>
+              <a:t>.</a:t>
+            </a:r>
+          </a:p>
+          <a:p>
+            <a:endParaRPr lang="en-US" altLang="ko-KR" sz="1400" dirty="0"/>
+          </a:p>
+          <a:p>
+            <a:r>
+              <a:rPr lang="en-US" altLang="ko-KR" sz="1400" dirty="0"/>
+              <a:t>2. </a:t>
+            </a:r>
+            <a:r>
+              <a:rPr lang="ko-KR" altLang="en-US" sz="1400" dirty="0"/>
+              <a:t>게임 상태 관리</a:t>
+            </a:r>
+          </a:p>
+          <a:p>
+            <a:r>
+              <a:rPr lang="en-US" altLang="ko-KR" sz="1400" dirty="0"/>
+              <a:t>- </a:t>
+            </a:r>
+            <a:r>
+              <a:rPr lang="ko-KR" altLang="en-US" sz="1400" dirty="0"/>
+              <a:t>게임 로비 구현</a:t>
+            </a:r>
+          </a:p>
+          <a:p>
+            <a:endParaRPr lang="ko-KR" altLang="en-US" sz="1400" dirty="0"/>
+          </a:p>
+          <a:p>
+            <a:r>
+              <a:rPr lang="en-US" altLang="ko-KR" sz="1400" dirty="0"/>
+              <a:t>3. </a:t>
+            </a:r>
+            <a:r>
+              <a:rPr lang="ko-KR" altLang="en-US" sz="1400" dirty="0"/>
+              <a:t>실시간 동기화</a:t>
+            </a:r>
+          </a:p>
+          <a:p>
+            <a:endParaRPr lang="ko-KR" altLang="en-US" sz="1400" dirty="0"/>
+          </a:p>
+          <a:p>
+            <a:r>
+              <a:rPr lang="en-US" altLang="ko-KR" sz="1400" dirty="0"/>
+              <a:t>- </a:t>
+            </a:r>
+            <a:r>
+              <a:rPr lang="ko-KR" altLang="en-US" sz="1400" dirty="0"/>
+              <a:t>각 클라이언트에서 발생하는 게임 상태 변화를 서버가 수집하고</a:t>
+            </a:r>
+            <a:r>
+              <a:rPr lang="en-US" altLang="ko-KR" sz="1400" dirty="0"/>
+              <a:t>, </a:t>
+            </a:r>
+            <a:r>
+              <a:rPr lang="ko-KR" altLang="en-US" sz="1400" dirty="0"/>
+              <a:t>이를 다른 클라이언트에 전파</a:t>
+            </a:r>
+          </a:p>
+          <a:p>
+            <a:endParaRPr lang="ko-KR" altLang="en-US" sz="1400" dirty="0"/>
+          </a:p>
+          <a:p>
+            <a:r>
+              <a:rPr lang="en-US" altLang="ko-KR" sz="1400" dirty="0"/>
+              <a:t>4. </a:t>
+            </a:r>
+            <a:r>
+              <a:rPr lang="ko-KR" altLang="en-US" sz="1400" dirty="0"/>
+              <a:t>이벤트 처리</a:t>
+            </a:r>
+          </a:p>
+          <a:p>
+            <a:r>
+              <a:rPr lang="en-US" altLang="ko-KR" sz="1400" dirty="0"/>
+              <a:t>- </a:t>
+            </a:r>
+            <a:r>
+              <a:rPr lang="ko-KR" altLang="en-US" sz="1400" dirty="0"/>
+              <a:t>행동 처리</a:t>
+            </a:r>
+            <a:r>
+              <a:rPr lang="en-US" altLang="ko-KR" sz="1400" dirty="0"/>
+              <a:t>:</a:t>
+            </a:r>
+          </a:p>
+          <a:p>
+            <a:r>
+              <a:rPr lang="ko-KR" altLang="en-US" sz="1400" dirty="0"/>
+              <a:t>플레이어의 모든 행동</a:t>
+            </a:r>
+            <a:r>
+              <a:rPr lang="en-US" altLang="ko-KR" sz="1400" dirty="0"/>
+              <a:t>(</a:t>
+            </a:r>
+            <a:r>
+              <a:rPr lang="ko-KR" altLang="en-US" sz="1400" dirty="0"/>
+              <a:t>이동</a:t>
+            </a:r>
+            <a:r>
+              <a:rPr lang="en-US" altLang="ko-KR" sz="1400" dirty="0"/>
+              <a:t>, </a:t>
+            </a:r>
+            <a:r>
+              <a:rPr lang="ko-KR" altLang="en-US" sz="1400" dirty="0"/>
+              <a:t>공격</a:t>
+            </a:r>
+            <a:r>
+              <a:rPr lang="en-US" altLang="ko-KR" sz="1400" dirty="0"/>
+              <a:t>, </a:t>
+            </a:r>
+            <a:r>
+              <a:rPr lang="ko-KR" altLang="en-US" sz="1400" dirty="0"/>
+              <a:t>상호작용 등</a:t>
+            </a:r>
+            <a:r>
+              <a:rPr lang="en-US" altLang="ko-KR" sz="1400" dirty="0"/>
+              <a:t>)</a:t>
+            </a:r>
+            <a:r>
+              <a:rPr lang="ko-KR" altLang="en-US" sz="1400" dirty="0"/>
+              <a:t>을 서버가 처리하고 이를 다른 플레이어들에게 전송</a:t>
+            </a:r>
+          </a:p>
+          <a:p>
+            <a:r>
+              <a:rPr lang="ko-KR" altLang="en-US" sz="1400" dirty="0"/>
+              <a:t>각 행동에 대한 서버 로직을 구현</a:t>
+            </a:r>
+          </a:p>
+          <a:p>
+            <a:endParaRPr lang="ko-KR" altLang="en-US" sz="1400" dirty="0"/>
+          </a:p>
+          <a:p>
+            <a:r>
+              <a:rPr lang="en-US" altLang="ko-KR" sz="1400" dirty="0"/>
+              <a:t>- </a:t>
+            </a:r>
+            <a:r>
+              <a:rPr lang="ko-KR" altLang="en-US" sz="1400" dirty="0"/>
+              <a:t>상호작용 처리</a:t>
+            </a:r>
+            <a:r>
+              <a:rPr lang="en-US" altLang="ko-KR" sz="1400" dirty="0"/>
+              <a:t>:</a:t>
+            </a:r>
+          </a:p>
+          <a:p>
+            <a:r>
+              <a:rPr lang="ko-KR" altLang="en-US" sz="1400" dirty="0"/>
+              <a:t>플레이어 간의 상호작용</a:t>
+            </a:r>
+            <a:r>
+              <a:rPr lang="en-US" altLang="ko-KR" sz="1400" dirty="0"/>
+              <a:t>(</a:t>
+            </a:r>
+            <a:r>
+              <a:rPr lang="ko-KR" altLang="en-US" sz="1400" dirty="0"/>
+              <a:t>예</a:t>
+            </a:r>
+            <a:r>
+              <a:rPr lang="en-US" altLang="ko-KR" sz="1400" dirty="0"/>
+              <a:t>: </a:t>
+            </a:r>
+            <a:r>
+              <a:rPr lang="ko-KR" altLang="en-US" sz="1400" dirty="0"/>
+              <a:t>공격</a:t>
+            </a:r>
+            <a:r>
+              <a:rPr lang="en-US" altLang="ko-KR" sz="1400" dirty="0"/>
+              <a:t>, </a:t>
+            </a:r>
+            <a:r>
+              <a:rPr lang="ko-KR" altLang="en-US" sz="1400" dirty="0"/>
+              <a:t>치유</a:t>
+            </a:r>
+            <a:r>
+              <a:rPr lang="en-US" altLang="ko-KR" sz="1400" dirty="0"/>
+              <a:t>, </a:t>
+            </a:r>
+            <a:r>
+              <a:rPr lang="ko-KR" altLang="en-US" sz="1400" dirty="0"/>
+              <a:t>구출 등</a:t>
+            </a:r>
+            <a:r>
+              <a:rPr lang="en-US" altLang="ko-KR" sz="1400" dirty="0"/>
+              <a:t>)</a:t>
+            </a:r>
+            <a:r>
+              <a:rPr lang="ko-KR" altLang="en-US" sz="1400" dirty="0"/>
+              <a:t>을 처리</a:t>
+            </a:r>
+          </a:p>
+          <a:p>
+            <a:r>
+              <a:rPr lang="ko-KR" altLang="en-US" sz="1400" dirty="0"/>
+              <a:t>상호작용에 따른 게임 상태 변화를 즉시 반영하고</a:t>
+            </a:r>
+            <a:r>
+              <a:rPr lang="en-US" altLang="ko-KR" sz="1400" dirty="0"/>
+              <a:t>, </a:t>
+            </a:r>
+            <a:r>
+              <a:rPr lang="ko-KR" altLang="en-US" sz="1400" dirty="0"/>
+              <a:t>이를 모든 클라이언트에 동기화 </a:t>
+            </a:r>
+            <a:r>
+              <a:rPr lang="en-US" altLang="ko-KR" sz="1400" dirty="0"/>
+              <a:t>(</a:t>
+            </a:r>
+            <a:r>
+              <a:rPr lang="ko-KR" altLang="en-US" sz="1400" dirty="0"/>
+              <a:t>테스트를 통해 </a:t>
+            </a:r>
+            <a:r>
+              <a:rPr lang="ko-KR" altLang="en-US" sz="1400" dirty="0" err="1"/>
+              <a:t>알아봐야함</a:t>
+            </a:r>
+            <a:r>
+              <a:rPr lang="en-US" altLang="ko-KR" sz="1400" dirty="0"/>
+              <a:t>)</a:t>
+            </a:r>
+          </a:p>
+          <a:p>
+            <a:endParaRPr lang="en-US" altLang="ko-KR" sz="1400" dirty="0"/>
+          </a:p>
+          <a:p>
+            <a:r>
+              <a:rPr lang="en-US" altLang="ko-KR" sz="1400" dirty="0"/>
+              <a:t>- </a:t>
+            </a:r>
+            <a:r>
+              <a:rPr lang="ko-KR" altLang="en-US" sz="1400" dirty="0"/>
+              <a:t>유저가 직접 살인마를 조종 </a:t>
+            </a:r>
+            <a:r>
+              <a:rPr lang="en-US" altLang="ko-KR" sz="1400" dirty="0"/>
+              <a:t>(AI </a:t>
+            </a:r>
+            <a:r>
+              <a:rPr lang="ko-KR" altLang="en-US" sz="1400" dirty="0"/>
+              <a:t>로직 연산 부담 감소</a:t>
+            </a:r>
+            <a:r>
+              <a:rPr lang="en-US" altLang="ko-KR" sz="1400" dirty="0"/>
+              <a:t>) </a:t>
+            </a:r>
+          </a:p>
+          <a:p>
+            <a:endParaRPr lang="en-US" altLang="ko-KR" sz="1400" dirty="0"/>
+          </a:p>
+          <a:p>
+            <a:r>
+              <a:rPr lang="en-US" altLang="ko-KR" sz="1400" dirty="0"/>
+              <a:t>- </a:t>
+            </a:r>
+            <a:r>
+              <a:rPr lang="ko-KR" altLang="en-US" sz="1400" dirty="0"/>
+              <a:t>결론 </a:t>
+            </a:r>
+            <a:r>
+              <a:rPr lang="en-US" altLang="ko-KR" sz="1400" dirty="0"/>
+              <a:t>-</a:t>
+            </a:r>
+          </a:p>
+          <a:p>
+            <a:r>
+              <a:rPr lang="ko-KR" altLang="en-US" sz="1400" dirty="0"/>
+              <a:t>실시간 동기화와 이벤트 처리는 멀티플레이어 서바이벌 게임서버에서 심도 있게 다루어야 할 핵심 요소</a:t>
+            </a:r>
+          </a:p>
+        </p:txBody>
+      </p:sp>
+    </p:spTree>
+    <p:extLst>
+      <p:ext uri="{BB962C8B-B14F-4D97-AF65-F5344CB8AC3E}">
+        <p14:creationId xmlns:p14="http://schemas.microsoft.com/office/powerpoint/2010/main" val="1491261217"/>
+      </p:ext>
+    </p:extLst>
+  </p:cSld>
+  <p:clrMapOvr>
+    <a:masterClrMapping/>
+  </p:clrMapOvr>
+</p:sld>
+</file>
+
+<file path=ppt/slides/slide5.xml><?xml version="1.0" encoding="utf-8"?>
+<p:sld xmlns:a="http://schemas.openxmlformats.org/drawingml/2006/main" xmlns:r="http://schemas.openxmlformats.org/officeDocument/2006/relationships" xmlns:p="http://schemas.openxmlformats.org/presentationml/2006/main">
+  <p:cSld>
+    <p:spTree>
+      <p:nvGrpSpPr>
+        <p:cNvPr id="1" name=""/>
+        <p:cNvGrpSpPr/>
+        <p:nvPr/>
+      </p:nvGrpSpPr>
+      <p:grpSpPr>
+        <a:xfrm>
+          <a:off x="0" y="0"/>
+          <a:ext cx="0" cy="0"/>
+          <a:chOff x="0" y="0"/>
+          <a:chExt cx="0" cy="0"/>
+        </a:xfrm>
+      </p:grpSpPr>
+      <p:sp>
+        <p:nvSpPr>
+          <p:cNvPr id="4" name="TextBox 3">
+            <a:extLst>
+              <a:ext uri="{FF2B5EF4-FFF2-40B4-BE49-F238E27FC236}">
+                <a16:creationId xmlns:a16="http://schemas.microsoft.com/office/drawing/2014/main" id="{075E5029-557C-EFF5-81B5-74EA1B7A7E81}"/>
+              </a:ext>
+            </a:extLst>
+          </p:cNvPr>
+          <p:cNvSpPr txBox="1"/>
+          <p:nvPr/>
+        </p:nvSpPr>
+        <p:spPr>
+          <a:xfrm>
+            <a:off x="374650" y="354568"/>
+            <a:ext cx="2622550" cy="369332"/>
+          </a:xfrm>
+          <a:prstGeom prst="rect">
+            <a:avLst/>
+          </a:prstGeom>
+          <a:noFill/>
+        </p:spPr>
+        <p:txBody>
+          <a:bodyPr wrap="square" rtlCol="0">
+            <a:spAutoFit/>
+          </a:bodyPr>
+          <a:lstStyle/>
+          <a:p>
+            <a:r>
+              <a:rPr lang="ko-KR" altLang="en-US" dirty="0"/>
+              <a:t>게임 컨셉</a:t>
+            </a:r>
+          </a:p>
+        </p:txBody>
+      </p:sp>
+      <p:sp>
+        <p:nvSpPr>
+          <p:cNvPr id="3" name="TextBox 2">
+            <a:extLst>
+              <a:ext uri="{FF2B5EF4-FFF2-40B4-BE49-F238E27FC236}">
+                <a16:creationId xmlns:a16="http://schemas.microsoft.com/office/drawing/2014/main" id="{C41B68D6-B16E-D8CC-D77F-F969C1BCCA9B}"/>
+              </a:ext>
+            </a:extLst>
+          </p:cNvPr>
+          <p:cNvSpPr txBox="1"/>
+          <p:nvPr/>
+        </p:nvSpPr>
+        <p:spPr>
+          <a:xfrm>
+            <a:off x="890270" y="1724084"/>
+            <a:ext cx="9410700" cy="2031325"/>
+          </a:xfrm>
+          <a:prstGeom prst="rect">
+            <a:avLst/>
+          </a:prstGeom>
+          <a:noFill/>
+        </p:spPr>
+        <p:txBody>
+          <a:bodyPr wrap="square" rtlCol="0">
+            <a:spAutoFit/>
+          </a:bodyPr>
+          <a:lstStyle/>
+          <a:p>
+            <a:r>
+              <a:rPr lang="ko-KR" altLang="en-US" sz="1400" dirty="0"/>
+              <a:t>게임 컨셉</a:t>
+            </a:r>
+            <a:endParaRPr lang="en-US" altLang="ko-KR" sz="1400" dirty="0"/>
+          </a:p>
+          <a:p>
+            <a:pPr marL="285750" indent="-285750">
+              <a:buFontTx/>
+              <a:buChar char="-"/>
+            </a:pPr>
+            <a:r>
+              <a:rPr lang="ko-KR" altLang="en-US" sz="1400" dirty="0"/>
+              <a:t>술래가 나머지 참여자들이 행하는 의식을 저지하는 게임</a:t>
+            </a:r>
+            <a:r>
+              <a:rPr lang="en-US" altLang="ko-KR" sz="1400" dirty="0"/>
+              <a:t>.</a:t>
+            </a:r>
+          </a:p>
+          <a:p>
+            <a:pPr marL="285750" indent="-285750">
+              <a:buFontTx/>
+              <a:buChar char="-"/>
+            </a:pPr>
+            <a:r>
+              <a:rPr lang="en-US" altLang="ko-KR" sz="1400" dirty="0"/>
+              <a:t>1</a:t>
+            </a:r>
+            <a:r>
+              <a:rPr lang="ko-KR" altLang="en-US" sz="1400" dirty="0"/>
+              <a:t>대 다 비대칭 서바이벌</a:t>
+            </a:r>
+            <a:endParaRPr lang="en-US" altLang="ko-KR" sz="1400" dirty="0"/>
+          </a:p>
+          <a:p>
+            <a:pPr marL="285750" indent="-285750">
+              <a:buFontTx/>
+              <a:buChar char="-"/>
+            </a:pPr>
+            <a:r>
+              <a:rPr lang="ko-KR" altLang="en-US" sz="1400" dirty="0"/>
+              <a:t>레퍼런스 게임 </a:t>
+            </a:r>
+            <a:r>
+              <a:rPr lang="en-US" altLang="ko-KR" sz="1400" dirty="0"/>
+              <a:t>: </a:t>
+            </a:r>
+            <a:r>
+              <a:rPr lang="ko-KR" altLang="en-US" sz="1400" dirty="0" err="1"/>
+              <a:t>데드</a:t>
+            </a:r>
+            <a:r>
+              <a:rPr lang="ko-KR" altLang="en-US" sz="1400" dirty="0"/>
+              <a:t> 바이 </a:t>
+            </a:r>
+            <a:r>
+              <a:rPr lang="ko-KR" altLang="en-US" sz="1400" dirty="0" err="1"/>
+              <a:t>데이라이트</a:t>
+            </a:r>
+            <a:r>
+              <a:rPr lang="en-US" altLang="ko-KR" sz="1400" dirty="0"/>
+              <a:t>, </a:t>
+            </a:r>
+            <a:r>
+              <a:rPr lang="ko-KR" altLang="en-US" sz="1400" dirty="0" err="1"/>
+              <a:t>어몽어스</a:t>
+            </a:r>
+            <a:r>
+              <a:rPr lang="en-US" altLang="ko-KR" sz="1400" dirty="0"/>
+              <a:t>, 13</a:t>
+            </a:r>
+            <a:r>
+              <a:rPr lang="ko-KR" altLang="en-US" sz="1400" dirty="0"/>
+              <a:t>일의 금요일</a:t>
+            </a:r>
+            <a:r>
+              <a:rPr lang="en-US" altLang="ko-KR" sz="1400" dirty="0"/>
+              <a:t>: </a:t>
+            </a:r>
+            <a:r>
+              <a:rPr lang="ko-KR" altLang="en-US" sz="1400" dirty="0"/>
+              <a:t>더 게임 등</a:t>
+            </a:r>
+            <a:endParaRPr lang="en-US" altLang="ko-KR" sz="1400" dirty="0"/>
+          </a:p>
+          <a:p>
+            <a:pPr marL="285750" indent="-285750">
+              <a:buFontTx/>
+              <a:buChar char="-"/>
+            </a:pPr>
+            <a:endParaRPr lang="en-US" altLang="ko-KR" sz="1400" dirty="0"/>
+          </a:p>
+          <a:p>
+            <a:r>
+              <a:rPr lang="ko-KR" altLang="en-US" sz="1400" dirty="0"/>
+              <a:t>세계관</a:t>
+            </a:r>
+            <a:endParaRPr lang="en-US" altLang="ko-KR" sz="1400" dirty="0"/>
+          </a:p>
+          <a:p>
+            <a:pPr marL="285750" indent="-285750">
+              <a:buFontTx/>
+              <a:buChar char="-"/>
+            </a:pPr>
+            <a:r>
+              <a:rPr lang="ko-KR" altLang="en-US" sz="1400" dirty="0"/>
+              <a:t>음산한 마을에 진입한 경찰관</a:t>
+            </a:r>
+            <a:r>
+              <a:rPr lang="en-US" altLang="ko-KR" sz="1400" dirty="0"/>
+              <a:t>(</a:t>
+            </a:r>
+            <a:r>
+              <a:rPr lang="ko-KR" altLang="en-US" sz="1400" dirty="0"/>
+              <a:t>술래</a:t>
+            </a:r>
+            <a:r>
+              <a:rPr lang="en-US" altLang="ko-KR" sz="1400" dirty="0"/>
+              <a:t>)</a:t>
+            </a:r>
+            <a:r>
+              <a:rPr lang="ko-KR" altLang="en-US" sz="1400" dirty="0"/>
+              <a:t>와 의식을 치르는 밀교 신자들 간의 서바이벌 </a:t>
+            </a:r>
+            <a:r>
+              <a:rPr lang="ko-KR" altLang="en-US" sz="1400" dirty="0" err="1"/>
+              <a:t>호러</a:t>
+            </a:r>
+            <a:r>
+              <a:rPr lang="ko-KR" altLang="en-US" sz="1400" dirty="0"/>
+              <a:t> 게임</a:t>
+            </a:r>
+            <a:endParaRPr lang="en-US" altLang="ko-KR" sz="1400" dirty="0"/>
+          </a:p>
+          <a:p>
+            <a:pPr marL="285750" indent="-285750">
+              <a:buFontTx/>
+              <a:buChar char="-"/>
+            </a:pPr>
+            <a:r>
+              <a:rPr lang="ko-KR" altLang="en-US" sz="1400" dirty="0"/>
+              <a:t>경찰관은 밀교 신자들을 유치장 혹은 근처의 오브젝트에 묶어놓을 수 있음</a:t>
+            </a:r>
+            <a:endParaRPr lang="en-US" altLang="ko-KR" sz="1400" dirty="0"/>
+          </a:p>
+          <a:p>
+            <a:pPr marL="285750" indent="-285750">
+              <a:buFontTx/>
+              <a:buChar char="-"/>
+            </a:pPr>
+            <a:r>
+              <a:rPr lang="ko-KR" altLang="en-US" sz="1400" dirty="0"/>
+              <a:t>밀교 신자들은 협동하여 의식을 완성해야 함</a:t>
+            </a:r>
+            <a:endParaRPr lang="en-US" altLang="ko-KR" sz="1400" dirty="0"/>
+          </a:p>
+        </p:txBody>
+      </p:sp>
+    </p:spTree>
+    <p:extLst>
+      <p:ext uri="{BB962C8B-B14F-4D97-AF65-F5344CB8AC3E}">
+        <p14:creationId xmlns:p14="http://schemas.microsoft.com/office/powerpoint/2010/main" val="713387016"/>
+      </p:ext>
+    </p:extLst>
+  </p:cSld>
+  <p:clrMapOvr>
+    <a:masterClrMapping/>
+  </p:clrMapOvr>
+</p:sld>
+</file>
+
+<file path=ppt/slides/slide6.xml><?xml version="1.0" encoding="utf-8"?>
+<p:sld xmlns:a="http://schemas.openxmlformats.org/drawingml/2006/main" xmlns:r="http://schemas.openxmlformats.org/officeDocument/2006/relationships" xmlns:p="http://schemas.openxmlformats.org/presentationml/2006/main">
+  <p:cSld>
+    <p:spTree>
+      <p:nvGrpSpPr>
+        <p:cNvPr id="1" name=""/>
+        <p:cNvGrpSpPr/>
+        <p:nvPr/>
+      </p:nvGrpSpPr>
+      <p:grpSpPr>
+        <a:xfrm>
+          <a:off x="0" y="0"/>
+          <a:ext cx="0" cy="0"/>
+          <a:chOff x="0" y="0"/>
+          <a:chExt cx="0" cy="0"/>
+        </a:xfrm>
+      </p:grpSpPr>
+      <p:sp>
+        <p:nvSpPr>
+          <p:cNvPr id="4" name="TextBox 3">
+            <a:extLst>
+              <a:ext uri="{FF2B5EF4-FFF2-40B4-BE49-F238E27FC236}">
+                <a16:creationId xmlns:a16="http://schemas.microsoft.com/office/drawing/2014/main" id="{075E5029-557C-EFF5-81B5-74EA1B7A7E81}"/>
+              </a:ext>
+            </a:extLst>
+          </p:cNvPr>
+          <p:cNvSpPr txBox="1"/>
+          <p:nvPr/>
+        </p:nvSpPr>
+        <p:spPr>
+          <a:xfrm>
+            <a:off x="374650" y="354568"/>
+            <a:ext cx="2622550" cy="369332"/>
+          </a:xfrm>
+          <a:prstGeom prst="rect">
+            <a:avLst/>
+          </a:prstGeom>
+          <a:noFill/>
+        </p:spPr>
+        <p:txBody>
+          <a:bodyPr wrap="square" rtlCol="0">
+            <a:spAutoFit/>
+          </a:bodyPr>
+          <a:lstStyle/>
+          <a:p>
+            <a:r>
+              <a:rPr lang="ko-KR" altLang="en-US" dirty="0"/>
+              <a:t>조작법</a:t>
+            </a:r>
+          </a:p>
+        </p:txBody>
+      </p:sp>
+      <p:pic>
+        <p:nvPicPr>
+          <p:cNvPr id="8" name="그림 7" descr="텍스트, 입력 장치, 키보드, 주변기기이(가) 표시된 사진&#10;&#10;자동 생성된 설명">
+            <a:extLst>
+              <a:ext uri="{FF2B5EF4-FFF2-40B4-BE49-F238E27FC236}">
+                <a16:creationId xmlns:a16="http://schemas.microsoft.com/office/drawing/2014/main" id="{54B31642-17C7-1511-1FAC-CF057BF75C91}"/>
+              </a:ext>
+            </a:extLst>
+          </p:cNvPr>
+          <p:cNvPicPr>
+            <a:picLocks noGrp="1" noRot="1" noChangeAspect="1" noMove="1" noResize="1" noEditPoints="1" noAdjustHandles="1" noChangeArrowheads="1" noChangeShapeType="1" noCrop="1"/>
+          </p:cNvPicPr>
+          <p:nvPr/>
+        </p:nvPicPr>
+        <p:blipFill>
+          <a:blip r:embed="rId2">
+            <a:extLst>
+              <a:ext uri="{28A0092B-C50C-407E-A947-70E740481C1C}">
+                <a14:useLocalDpi xmlns:a14="http://schemas.microsoft.com/office/drawing/2010/main" val="0"/>
+              </a:ext>
+            </a:extLst>
+          </a:blip>
+          <a:stretch>
+            <a:fillRect/>
+          </a:stretch>
+        </p:blipFill>
+        <p:spPr>
+          <a:xfrm>
+            <a:off x="218122" y="0"/>
+            <a:ext cx="11755755" cy="6858000"/>
+          </a:xfrm>
+          <a:prstGeom prst="rect">
+            <a:avLst/>
+          </a:prstGeom>
+        </p:spPr>
+      </p:pic>
+      <p:sp>
+        <p:nvSpPr>
+          <p:cNvPr id="9" name="직사각형 8">
+            <a:extLst>
+              <a:ext uri="{FF2B5EF4-FFF2-40B4-BE49-F238E27FC236}">
+                <a16:creationId xmlns:a16="http://schemas.microsoft.com/office/drawing/2014/main" id="{696CEDE7-80A8-7D3B-B007-B141ADFF43C9}"/>
+              </a:ext>
+            </a:extLst>
+          </p:cNvPr>
+          <p:cNvSpPr/>
+          <p:nvPr/>
+        </p:nvSpPr>
+        <p:spPr>
+          <a:xfrm>
+            <a:off x="2410570" y="3511898"/>
+            <a:ext cx="355490" cy="369332"/>
+          </a:xfrm>
+          <a:prstGeom prst="rect">
+            <a:avLst/>
+          </a:prstGeom>
+          <a:solidFill>
+            <a:schemeClr val="accent2">
+              <a:alpha val="50000"/>
+            </a:schemeClr>
+          </a:solidFill>
+          <a:ln>
+            <a:noFill/>
+          </a:ln>
+        </p:spPr>
+        <p:style>
+          <a:lnRef idx="2">
+            <a:schemeClr val="accent1">
+              <a:shade val="15000"/>
+            </a:schemeClr>
+          </a:lnRef>
+          <a:fillRef idx="1">
+            <a:schemeClr val="accent1"/>
+          </a:fillRef>
+          <a:effectRef idx="0">
+            <a:schemeClr val="accent1"/>
+          </a:effectRef>
+          <a:fontRef idx="minor">
+            <a:schemeClr val="lt1"/>
+          </a:fontRef>
+        </p:style>
+        <p:txBody>
+          <a:bodyPr rtlCol="0" anchor="ctr"/>
+          <a:lstStyle/>
+          <a:p>
+            <a:pPr algn="ctr"/>
+            <a:endParaRPr lang="ko-KR" altLang="en-US" dirty="0"/>
+          </a:p>
+        </p:txBody>
+      </p:sp>
+      <p:sp>
+        <p:nvSpPr>
+          <p:cNvPr id="10" name="직사각형 9">
+            <a:extLst>
+              <a:ext uri="{FF2B5EF4-FFF2-40B4-BE49-F238E27FC236}">
+                <a16:creationId xmlns:a16="http://schemas.microsoft.com/office/drawing/2014/main" id="{CE9E25DF-D987-99CC-25B2-53D5136138AA}"/>
+              </a:ext>
+            </a:extLst>
+          </p:cNvPr>
+          <p:cNvSpPr/>
+          <p:nvPr/>
+        </p:nvSpPr>
+        <p:spPr>
+          <a:xfrm>
+            <a:off x="1976230" y="3946238"/>
+            <a:ext cx="355490" cy="369332"/>
+          </a:xfrm>
+          <a:prstGeom prst="rect">
+            <a:avLst/>
+          </a:prstGeom>
+          <a:solidFill>
+            <a:schemeClr val="accent2">
+              <a:alpha val="50000"/>
+            </a:schemeClr>
+          </a:solidFill>
+          <a:ln>
+            <a:noFill/>
+          </a:ln>
+        </p:spPr>
+        <p:style>
+          <a:lnRef idx="2">
+            <a:schemeClr val="accent1">
+              <a:shade val="15000"/>
+            </a:schemeClr>
+          </a:lnRef>
+          <a:fillRef idx="1">
+            <a:schemeClr val="accent1"/>
+          </a:fillRef>
+          <a:effectRef idx="0">
+            <a:schemeClr val="accent1"/>
+          </a:effectRef>
+          <a:fontRef idx="minor">
+            <a:schemeClr val="lt1"/>
+          </a:fontRef>
+        </p:style>
+        <p:txBody>
+          <a:bodyPr rtlCol="0" anchor="ctr"/>
+          <a:lstStyle/>
+          <a:p>
+            <a:pPr algn="ctr"/>
+            <a:endParaRPr lang="ko-KR" altLang="en-US" dirty="0"/>
+          </a:p>
+        </p:txBody>
+      </p:sp>
+      <p:sp>
+        <p:nvSpPr>
+          <p:cNvPr id="11" name="직사각형 10">
+            <a:extLst>
+              <a:ext uri="{FF2B5EF4-FFF2-40B4-BE49-F238E27FC236}">
+                <a16:creationId xmlns:a16="http://schemas.microsoft.com/office/drawing/2014/main" id="{BE828BDF-1960-3906-1E4B-013C599E2D0E}"/>
+              </a:ext>
+            </a:extLst>
+          </p:cNvPr>
+          <p:cNvSpPr/>
+          <p:nvPr/>
+        </p:nvSpPr>
+        <p:spPr>
+          <a:xfrm>
+            <a:off x="2410570" y="3946238"/>
+            <a:ext cx="355490" cy="369332"/>
+          </a:xfrm>
+          <a:prstGeom prst="rect">
+            <a:avLst/>
+          </a:prstGeom>
+          <a:solidFill>
+            <a:schemeClr val="accent2">
+              <a:alpha val="50000"/>
+            </a:schemeClr>
+          </a:solidFill>
+          <a:ln>
+            <a:noFill/>
+          </a:ln>
+        </p:spPr>
+        <p:style>
+          <a:lnRef idx="2">
+            <a:schemeClr val="accent1">
+              <a:shade val="15000"/>
+            </a:schemeClr>
+          </a:lnRef>
+          <a:fillRef idx="1">
+            <a:schemeClr val="accent1"/>
+          </a:fillRef>
+          <a:effectRef idx="0">
+            <a:schemeClr val="accent1"/>
+          </a:effectRef>
+          <a:fontRef idx="minor">
+            <a:schemeClr val="lt1"/>
+          </a:fontRef>
+        </p:style>
+        <p:txBody>
+          <a:bodyPr rtlCol="0" anchor="ctr"/>
+          <a:lstStyle/>
+          <a:p>
+            <a:pPr algn="ctr"/>
+            <a:endParaRPr lang="ko-KR" altLang="en-US" dirty="0"/>
+          </a:p>
+        </p:txBody>
+      </p:sp>
+      <p:sp>
+        <p:nvSpPr>
+          <p:cNvPr id="12" name="직사각형 11">
+            <a:extLst>
+              <a:ext uri="{FF2B5EF4-FFF2-40B4-BE49-F238E27FC236}">
+                <a16:creationId xmlns:a16="http://schemas.microsoft.com/office/drawing/2014/main" id="{2589EE7F-514D-BB88-0C70-81CFEDAE2A1D}"/>
+              </a:ext>
+            </a:extLst>
+          </p:cNvPr>
+          <p:cNvSpPr/>
+          <p:nvPr/>
+        </p:nvSpPr>
+        <p:spPr>
+          <a:xfrm>
+            <a:off x="2844910" y="3946238"/>
+            <a:ext cx="355490" cy="369332"/>
+          </a:xfrm>
+          <a:prstGeom prst="rect">
+            <a:avLst/>
+          </a:prstGeom>
+          <a:solidFill>
+            <a:schemeClr val="accent2">
+              <a:alpha val="50000"/>
+            </a:schemeClr>
+          </a:solidFill>
+          <a:ln>
+            <a:noFill/>
+          </a:ln>
+        </p:spPr>
+        <p:style>
+          <a:lnRef idx="2">
+            <a:schemeClr val="accent1">
+              <a:shade val="15000"/>
+            </a:schemeClr>
+          </a:lnRef>
+          <a:fillRef idx="1">
+            <a:schemeClr val="accent1"/>
+          </a:fillRef>
+          <a:effectRef idx="0">
+            <a:schemeClr val="accent1"/>
+          </a:effectRef>
+          <a:fontRef idx="minor">
+            <a:schemeClr val="lt1"/>
+          </a:fontRef>
+        </p:style>
+        <p:txBody>
+          <a:bodyPr rtlCol="0" anchor="ctr"/>
+          <a:lstStyle/>
+          <a:p>
+            <a:pPr algn="ctr"/>
+            <a:endParaRPr lang="ko-KR" altLang="en-US" dirty="0"/>
+          </a:p>
+        </p:txBody>
+      </p:sp>
+      <p:sp>
+        <p:nvSpPr>
+          <p:cNvPr id="13" name="직사각형 12">
+            <a:extLst>
+              <a:ext uri="{FF2B5EF4-FFF2-40B4-BE49-F238E27FC236}">
+                <a16:creationId xmlns:a16="http://schemas.microsoft.com/office/drawing/2014/main" id="{E6672A3B-2293-E7AD-930F-ABFACA521F7F}"/>
+              </a:ext>
+            </a:extLst>
+          </p:cNvPr>
+          <p:cNvSpPr/>
+          <p:nvPr/>
+        </p:nvSpPr>
+        <p:spPr>
+          <a:xfrm>
+            <a:off x="2898250" y="4761578"/>
+            <a:ext cx="2588150" cy="369332"/>
+          </a:xfrm>
+          <a:prstGeom prst="rect">
+            <a:avLst/>
+          </a:prstGeom>
+          <a:solidFill>
+            <a:schemeClr val="accent1">
+              <a:alpha val="50000"/>
+            </a:schemeClr>
+          </a:solidFill>
+          <a:ln>
+            <a:noFill/>
+          </a:ln>
+        </p:spPr>
+        <p:style>
+          <a:lnRef idx="2">
+            <a:schemeClr val="accent1">
+              <a:shade val="15000"/>
+            </a:schemeClr>
+          </a:lnRef>
+          <a:fillRef idx="1">
+            <a:schemeClr val="accent1"/>
+          </a:fillRef>
+          <a:effectRef idx="0">
+            <a:schemeClr val="accent1"/>
+          </a:effectRef>
+          <a:fontRef idx="minor">
+            <a:schemeClr val="lt1"/>
+          </a:fontRef>
+        </p:style>
+        <p:txBody>
+          <a:bodyPr rtlCol="0" anchor="ctr"/>
+          <a:lstStyle/>
+          <a:p>
+            <a:pPr algn="ctr"/>
+            <a:endParaRPr lang="ko-KR" altLang="en-US" dirty="0"/>
+          </a:p>
+        </p:txBody>
+      </p:sp>
+      <p:sp>
+        <p:nvSpPr>
+          <p:cNvPr id="14" name="직사각형 13">
+            <a:extLst>
+              <a:ext uri="{FF2B5EF4-FFF2-40B4-BE49-F238E27FC236}">
+                <a16:creationId xmlns:a16="http://schemas.microsoft.com/office/drawing/2014/main" id="{EF1099BF-28C2-A5CA-FA97-FFD172694425}"/>
+              </a:ext>
+            </a:extLst>
+          </p:cNvPr>
+          <p:cNvSpPr/>
+          <p:nvPr/>
+        </p:nvSpPr>
+        <p:spPr>
+          <a:xfrm>
+            <a:off x="1330434" y="4325840"/>
+            <a:ext cx="864125" cy="369332"/>
+          </a:xfrm>
+          <a:prstGeom prst="rect">
+            <a:avLst/>
+          </a:prstGeom>
+          <a:solidFill>
+            <a:srgbClr val="FF0000">
+              <a:alpha val="50000"/>
+            </a:srgbClr>
+          </a:solidFill>
+          <a:ln>
+            <a:noFill/>
+          </a:ln>
+        </p:spPr>
+        <p:style>
+          <a:lnRef idx="2">
+            <a:schemeClr val="accent1">
+              <a:shade val="15000"/>
+            </a:schemeClr>
+          </a:lnRef>
+          <a:fillRef idx="1">
+            <a:schemeClr val="accent1"/>
+          </a:fillRef>
+          <a:effectRef idx="0">
+            <a:schemeClr val="accent1"/>
+          </a:effectRef>
+          <a:fontRef idx="minor">
+            <a:schemeClr val="lt1"/>
+          </a:fontRef>
+        </p:style>
+        <p:txBody>
+          <a:bodyPr rtlCol="0" anchor="ctr"/>
+          <a:lstStyle/>
+          <a:p>
+            <a:pPr algn="ctr"/>
+            <a:endParaRPr lang="ko-KR" altLang="en-US" dirty="0"/>
+          </a:p>
+        </p:txBody>
+      </p:sp>
+      <p:sp>
+        <p:nvSpPr>
+          <p:cNvPr id="15" name="직사각형 14">
+            <a:extLst>
+              <a:ext uri="{FF2B5EF4-FFF2-40B4-BE49-F238E27FC236}">
+                <a16:creationId xmlns:a16="http://schemas.microsoft.com/office/drawing/2014/main" id="{5CA27147-8D05-3572-0005-4246E159C178}"/>
+              </a:ext>
+            </a:extLst>
+          </p:cNvPr>
+          <p:cNvSpPr/>
+          <p:nvPr/>
+        </p:nvSpPr>
+        <p:spPr>
+          <a:xfrm>
+            <a:off x="1330434" y="4761578"/>
+            <a:ext cx="405497" cy="369332"/>
+          </a:xfrm>
+          <a:prstGeom prst="rect">
+            <a:avLst/>
+          </a:prstGeom>
+          <a:solidFill>
+            <a:srgbClr val="FFC000">
+              <a:alpha val="50000"/>
+            </a:srgbClr>
+          </a:solidFill>
+          <a:ln>
+            <a:noFill/>
+          </a:ln>
+        </p:spPr>
+        <p:style>
+          <a:lnRef idx="2">
+            <a:schemeClr val="accent1">
+              <a:shade val="15000"/>
+            </a:schemeClr>
+          </a:lnRef>
+          <a:fillRef idx="1">
+            <a:schemeClr val="accent1"/>
+          </a:fillRef>
+          <a:effectRef idx="0">
+            <a:schemeClr val="accent1"/>
+          </a:effectRef>
+          <a:fontRef idx="minor">
+            <a:schemeClr val="lt1"/>
+          </a:fontRef>
+        </p:style>
+        <p:txBody>
+          <a:bodyPr rtlCol="0" anchor="ctr"/>
+          <a:lstStyle/>
+          <a:p>
+            <a:pPr algn="ctr"/>
+            <a:endParaRPr lang="ko-KR" altLang="en-US" dirty="0"/>
+          </a:p>
+        </p:txBody>
+      </p:sp>
+      <p:sp>
+        <p:nvSpPr>
+          <p:cNvPr id="16" name="직사각형 15">
+            <a:extLst>
+              <a:ext uri="{FF2B5EF4-FFF2-40B4-BE49-F238E27FC236}">
+                <a16:creationId xmlns:a16="http://schemas.microsoft.com/office/drawing/2014/main" id="{0AC52C3E-975C-7C27-2D90-A2D2AED4685C}"/>
+              </a:ext>
+            </a:extLst>
+          </p:cNvPr>
+          <p:cNvSpPr/>
+          <p:nvPr/>
+        </p:nvSpPr>
+        <p:spPr>
+          <a:xfrm>
+            <a:off x="3286870" y="3511898"/>
+            <a:ext cx="355490" cy="369332"/>
+          </a:xfrm>
+          <a:prstGeom prst="rect">
+            <a:avLst/>
+          </a:prstGeom>
+          <a:solidFill>
+            <a:srgbClr val="00B050">
+              <a:alpha val="50000"/>
+            </a:srgbClr>
+          </a:solidFill>
+          <a:ln>
+            <a:noFill/>
+          </a:ln>
+        </p:spPr>
+        <p:style>
+          <a:lnRef idx="2">
+            <a:schemeClr val="accent1">
+              <a:shade val="15000"/>
+            </a:schemeClr>
+          </a:lnRef>
+          <a:fillRef idx="1">
+            <a:schemeClr val="accent1"/>
+          </a:fillRef>
+          <a:effectRef idx="0">
+            <a:schemeClr val="accent1"/>
+          </a:effectRef>
+          <a:fontRef idx="minor">
+            <a:schemeClr val="lt1"/>
+          </a:fontRef>
+        </p:style>
+        <p:txBody>
+          <a:bodyPr rtlCol="0" anchor="ctr"/>
+          <a:lstStyle/>
+          <a:p>
+            <a:pPr algn="ctr"/>
+            <a:endParaRPr lang="ko-KR" altLang="en-US" dirty="0"/>
+          </a:p>
+        </p:txBody>
+      </p:sp>
+      <p:cxnSp>
+        <p:nvCxnSpPr>
+          <p:cNvPr id="5" name="직선 연결선 4">
+            <a:extLst>
+              <a:ext uri="{FF2B5EF4-FFF2-40B4-BE49-F238E27FC236}">
+                <a16:creationId xmlns:a16="http://schemas.microsoft.com/office/drawing/2014/main" id="{DCF6B231-0A4F-514B-E31F-B4A818A7A065}"/>
+              </a:ext>
+            </a:extLst>
+          </p:cNvPr>
+          <p:cNvCxnSpPr>
+            <a:stCxn id="9" idx="1"/>
+          </p:cNvCxnSpPr>
+          <p:nvPr/>
+        </p:nvCxnSpPr>
+        <p:spPr>
+          <a:xfrm flipH="1" flipV="1">
+            <a:off x="1645920" y="1653540"/>
+            <a:ext cx="764650" cy="2043024"/>
+          </a:xfrm>
+          <a:prstGeom prst="line">
+            <a:avLst/>
+          </a:prstGeom>
+        </p:spPr>
+        <p:style>
+          <a:lnRef idx="2">
+            <a:schemeClr val="accent1"/>
+          </a:lnRef>
+          <a:fillRef idx="0">
+            <a:schemeClr val="accent1"/>
+          </a:fillRef>
+          <a:effectRef idx="1">
+            <a:schemeClr val="accent1"/>
+          </a:effectRef>
+          <a:fontRef idx="minor">
+            <a:schemeClr val="tx1"/>
+          </a:fontRef>
+        </p:style>
+      </p:cxnSp>
+      <p:sp>
+        <p:nvSpPr>
+          <p:cNvPr id="6" name="TextBox 5">
+            <a:extLst>
+              <a:ext uri="{FF2B5EF4-FFF2-40B4-BE49-F238E27FC236}">
+                <a16:creationId xmlns:a16="http://schemas.microsoft.com/office/drawing/2014/main" id="{9B229790-848B-DB06-2726-D582DE01E7DC}"/>
+              </a:ext>
+            </a:extLst>
+          </p:cNvPr>
+          <p:cNvSpPr txBox="1"/>
+          <p:nvPr/>
+        </p:nvSpPr>
+        <p:spPr>
+          <a:xfrm>
+            <a:off x="1139902" y="1344037"/>
+            <a:ext cx="684640" cy="369332"/>
+          </a:xfrm>
+          <a:prstGeom prst="rect">
+            <a:avLst/>
+          </a:prstGeom>
+          <a:noFill/>
+        </p:spPr>
+        <p:txBody>
+          <a:bodyPr wrap="square" rtlCol="0">
+            <a:spAutoFit/>
+          </a:bodyPr>
+          <a:lstStyle/>
+          <a:p>
+            <a:r>
+              <a:rPr lang="ko-KR" altLang="en-US" dirty="0"/>
+              <a:t>이동</a:t>
+            </a:r>
+            <a:endParaRPr lang="en-US" altLang="ko-KR" dirty="0"/>
+          </a:p>
+        </p:txBody>
+      </p:sp>
+      <p:cxnSp>
+        <p:nvCxnSpPr>
+          <p:cNvPr id="7" name="직선 연결선 6">
+            <a:extLst>
+              <a:ext uri="{FF2B5EF4-FFF2-40B4-BE49-F238E27FC236}">
+                <a16:creationId xmlns:a16="http://schemas.microsoft.com/office/drawing/2014/main" id="{BC90470E-1EB5-8197-36F3-96FBE7FFA411}"/>
+              </a:ext>
+            </a:extLst>
+          </p:cNvPr>
+          <p:cNvCxnSpPr/>
+          <p:nvPr/>
+        </p:nvCxnSpPr>
+        <p:spPr>
+          <a:xfrm flipH="1" flipV="1">
+            <a:off x="802420" y="2342645"/>
+            <a:ext cx="764650" cy="2043024"/>
+          </a:xfrm>
+          <a:prstGeom prst="line">
+            <a:avLst/>
+          </a:prstGeom>
+        </p:spPr>
+        <p:style>
+          <a:lnRef idx="2">
+            <a:schemeClr val="accent1"/>
+          </a:lnRef>
+          <a:fillRef idx="0">
+            <a:schemeClr val="accent1"/>
+          </a:fillRef>
+          <a:effectRef idx="1">
+            <a:schemeClr val="accent1"/>
+          </a:effectRef>
+          <a:fontRef idx="minor">
+            <a:schemeClr val="tx1"/>
+          </a:fontRef>
+        </p:style>
+      </p:cxnSp>
+      <p:sp>
+        <p:nvSpPr>
+          <p:cNvPr id="17" name="TextBox 16">
+            <a:extLst>
+              <a:ext uri="{FF2B5EF4-FFF2-40B4-BE49-F238E27FC236}">
+                <a16:creationId xmlns:a16="http://schemas.microsoft.com/office/drawing/2014/main" id="{4D68E204-6086-FDA5-A188-1CF3FC74EEBA}"/>
+              </a:ext>
+            </a:extLst>
+          </p:cNvPr>
+          <p:cNvSpPr txBox="1"/>
+          <p:nvPr/>
+        </p:nvSpPr>
+        <p:spPr>
+          <a:xfrm>
+            <a:off x="288692" y="2003438"/>
+            <a:ext cx="658819" cy="369332"/>
+          </a:xfrm>
+          <a:prstGeom prst="rect">
+            <a:avLst/>
+          </a:prstGeom>
+          <a:noFill/>
+        </p:spPr>
+        <p:txBody>
+          <a:bodyPr wrap="square" rtlCol="0">
+            <a:spAutoFit/>
+          </a:bodyPr>
+          <a:lstStyle/>
+          <a:p>
+            <a:r>
+              <a:rPr lang="ko-KR" altLang="en-US" dirty="0"/>
+              <a:t>가속</a:t>
+            </a:r>
+            <a:endParaRPr lang="en-US" altLang="ko-KR" dirty="0"/>
+          </a:p>
+        </p:txBody>
+      </p:sp>
+      <p:cxnSp>
+        <p:nvCxnSpPr>
+          <p:cNvPr id="18" name="직선 연결선 17">
+            <a:extLst>
+              <a:ext uri="{FF2B5EF4-FFF2-40B4-BE49-F238E27FC236}">
+                <a16:creationId xmlns:a16="http://schemas.microsoft.com/office/drawing/2014/main" id="{C0F1B69C-A9C8-8789-E3D0-9664C88EF587}"/>
+              </a:ext>
+            </a:extLst>
+          </p:cNvPr>
+          <p:cNvCxnSpPr>
+            <a:cxnSpLocks/>
+          </p:cNvCxnSpPr>
+          <p:nvPr/>
+        </p:nvCxnSpPr>
+        <p:spPr>
+          <a:xfrm flipV="1">
+            <a:off x="940221" y="5113722"/>
+            <a:ext cx="486250" cy="706721"/>
+          </a:xfrm>
+          <a:prstGeom prst="line">
+            <a:avLst/>
+          </a:prstGeom>
+        </p:spPr>
+        <p:style>
+          <a:lnRef idx="2">
+            <a:schemeClr val="accent1"/>
+          </a:lnRef>
+          <a:fillRef idx="0">
+            <a:schemeClr val="accent1"/>
+          </a:fillRef>
+          <a:effectRef idx="1">
+            <a:schemeClr val="accent1"/>
+          </a:effectRef>
+          <a:fontRef idx="minor">
+            <a:schemeClr val="tx1"/>
+          </a:fontRef>
+        </p:style>
+      </p:cxnSp>
+      <p:sp>
+        <p:nvSpPr>
+          <p:cNvPr id="21" name="TextBox 20">
+            <a:extLst>
+              <a:ext uri="{FF2B5EF4-FFF2-40B4-BE49-F238E27FC236}">
+                <a16:creationId xmlns:a16="http://schemas.microsoft.com/office/drawing/2014/main" id="{A8FC5208-4F85-18B9-78E3-D91A82EB4F8E}"/>
+              </a:ext>
+            </a:extLst>
+          </p:cNvPr>
+          <p:cNvSpPr txBox="1"/>
+          <p:nvPr/>
+        </p:nvSpPr>
+        <p:spPr>
+          <a:xfrm>
+            <a:off x="554241" y="5798552"/>
+            <a:ext cx="684640" cy="369332"/>
+          </a:xfrm>
+          <a:prstGeom prst="rect">
+            <a:avLst/>
+          </a:prstGeom>
+          <a:noFill/>
+        </p:spPr>
+        <p:txBody>
+          <a:bodyPr wrap="square" rtlCol="0">
+            <a:spAutoFit/>
+          </a:bodyPr>
+          <a:lstStyle/>
+          <a:p>
+            <a:r>
+              <a:rPr lang="ko-KR" altLang="en-US" dirty="0"/>
+              <a:t>앉기</a:t>
+            </a:r>
+            <a:endParaRPr lang="en-US" altLang="ko-KR" dirty="0"/>
+          </a:p>
+        </p:txBody>
+      </p:sp>
+      <p:cxnSp>
+        <p:nvCxnSpPr>
+          <p:cNvPr id="22" name="직선 연결선 21">
+            <a:extLst>
+              <a:ext uri="{FF2B5EF4-FFF2-40B4-BE49-F238E27FC236}">
+                <a16:creationId xmlns:a16="http://schemas.microsoft.com/office/drawing/2014/main" id="{E8891F6D-4776-78AD-43C4-880A7E9FFF27}"/>
+              </a:ext>
+            </a:extLst>
+          </p:cNvPr>
+          <p:cNvCxnSpPr>
+            <a:cxnSpLocks/>
+          </p:cNvCxnSpPr>
+          <p:nvPr/>
+        </p:nvCxnSpPr>
+        <p:spPr>
+          <a:xfrm flipV="1">
+            <a:off x="4136447" y="5130910"/>
+            <a:ext cx="0" cy="758326"/>
+          </a:xfrm>
+          <a:prstGeom prst="line">
+            <a:avLst/>
+          </a:prstGeom>
+        </p:spPr>
+        <p:style>
+          <a:lnRef idx="2">
+            <a:schemeClr val="accent1"/>
+          </a:lnRef>
+          <a:fillRef idx="0">
+            <a:schemeClr val="accent1"/>
+          </a:fillRef>
+          <a:effectRef idx="1">
+            <a:schemeClr val="accent1"/>
+          </a:effectRef>
+          <a:fontRef idx="minor">
+            <a:schemeClr val="tx1"/>
+          </a:fontRef>
+        </p:style>
+      </p:cxnSp>
+      <p:sp>
+        <p:nvSpPr>
+          <p:cNvPr id="24" name="TextBox 23">
+            <a:extLst>
+              <a:ext uri="{FF2B5EF4-FFF2-40B4-BE49-F238E27FC236}">
+                <a16:creationId xmlns:a16="http://schemas.microsoft.com/office/drawing/2014/main" id="{01B82064-252C-1BA6-54E0-EE2EDA0BE657}"/>
+              </a:ext>
+            </a:extLst>
+          </p:cNvPr>
+          <p:cNvSpPr txBox="1"/>
+          <p:nvPr/>
+        </p:nvSpPr>
+        <p:spPr>
+          <a:xfrm>
+            <a:off x="3568440" y="5880379"/>
+            <a:ext cx="1136013" cy="369332"/>
+          </a:xfrm>
+          <a:prstGeom prst="rect">
+            <a:avLst/>
+          </a:prstGeom>
+          <a:noFill/>
+        </p:spPr>
+        <p:txBody>
+          <a:bodyPr wrap="square" rtlCol="0">
+            <a:spAutoFit/>
+          </a:bodyPr>
+          <a:lstStyle/>
+          <a:p>
+            <a:r>
+              <a:rPr lang="ko-KR" altLang="en-US" dirty="0"/>
+              <a:t>상호작용</a:t>
+            </a:r>
+            <a:endParaRPr lang="en-US" altLang="ko-KR" dirty="0"/>
+          </a:p>
+        </p:txBody>
+      </p:sp>
+      <p:cxnSp>
+        <p:nvCxnSpPr>
+          <p:cNvPr id="25" name="직선 연결선 24">
+            <a:extLst>
+              <a:ext uri="{FF2B5EF4-FFF2-40B4-BE49-F238E27FC236}">
+                <a16:creationId xmlns:a16="http://schemas.microsoft.com/office/drawing/2014/main" id="{DD394D4B-BF52-06FB-2EDA-E030794FF41F}"/>
+              </a:ext>
+            </a:extLst>
+          </p:cNvPr>
+          <p:cNvCxnSpPr>
+            <a:cxnSpLocks/>
+          </p:cNvCxnSpPr>
+          <p:nvPr/>
+        </p:nvCxnSpPr>
+        <p:spPr>
+          <a:xfrm flipV="1">
+            <a:off x="3498594" y="1403808"/>
+            <a:ext cx="664576" cy="2188532"/>
+          </a:xfrm>
+          <a:prstGeom prst="line">
+            <a:avLst/>
+          </a:prstGeom>
+        </p:spPr>
+        <p:style>
+          <a:lnRef idx="2">
+            <a:schemeClr val="accent1"/>
+          </a:lnRef>
+          <a:fillRef idx="0">
+            <a:schemeClr val="accent1"/>
+          </a:fillRef>
+          <a:effectRef idx="1">
+            <a:schemeClr val="accent1"/>
+          </a:effectRef>
+          <a:fontRef idx="minor">
+            <a:schemeClr val="tx1"/>
+          </a:fontRef>
+        </p:style>
+      </p:cxnSp>
+      <p:sp>
+        <p:nvSpPr>
+          <p:cNvPr id="27" name="TextBox 26">
+            <a:extLst>
+              <a:ext uri="{FF2B5EF4-FFF2-40B4-BE49-F238E27FC236}">
+                <a16:creationId xmlns:a16="http://schemas.microsoft.com/office/drawing/2014/main" id="{A2F0913A-DB0A-966A-45DC-C4DEE36649C0}"/>
+              </a:ext>
+            </a:extLst>
+          </p:cNvPr>
+          <p:cNvSpPr txBox="1"/>
+          <p:nvPr/>
+        </p:nvSpPr>
+        <p:spPr>
+          <a:xfrm>
+            <a:off x="3642360" y="1059734"/>
+            <a:ext cx="1136013" cy="369332"/>
+          </a:xfrm>
+          <a:prstGeom prst="rect">
+            <a:avLst/>
+          </a:prstGeom>
+          <a:noFill/>
+        </p:spPr>
+        <p:txBody>
+          <a:bodyPr wrap="square" rtlCol="0">
+            <a:spAutoFit/>
+          </a:bodyPr>
+          <a:lstStyle/>
+          <a:p>
+            <a:r>
+              <a:rPr lang="ko-KR" altLang="en-US" dirty="0"/>
+              <a:t>내려놓기</a:t>
+            </a:r>
+            <a:endParaRPr lang="en-US" altLang="ko-KR" dirty="0"/>
+          </a:p>
+        </p:txBody>
+      </p:sp>
+      <p:sp>
+        <p:nvSpPr>
+          <p:cNvPr id="28" name="직사각형 27">
+            <a:extLst>
+              <a:ext uri="{FF2B5EF4-FFF2-40B4-BE49-F238E27FC236}">
+                <a16:creationId xmlns:a16="http://schemas.microsoft.com/office/drawing/2014/main" id="{932A29E5-D139-5C2C-9AC7-328BAEA6E1CB}"/>
+              </a:ext>
+            </a:extLst>
+          </p:cNvPr>
+          <p:cNvSpPr/>
+          <p:nvPr/>
+        </p:nvSpPr>
+        <p:spPr>
+          <a:xfrm>
+            <a:off x="1755592" y="3077602"/>
+            <a:ext cx="355490" cy="369332"/>
+          </a:xfrm>
+          <a:prstGeom prst="rect">
+            <a:avLst/>
+          </a:prstGeom>
+          <a:solidFill>
+            <a:schemeClr val="accent5">
+              <a:lumMod val="40000"/>
+              <a:lumOff val="60000"/>
+              <a:alpha val="50000"/>
+            </a:schemeClr>
+          </a:solidFill>
+          <a:ln>
+            <a:noFill/>
+          </a:ln>
+        </p:spPr>
+        <p:style>
+          <a:lnRef idx="2">
+            <a:schemeClr val="accent1">
+              <a:shade val="15000"/>
+            </a:schemeClr>
+          </a:lnRef>
+          <a:fillRef idx="1">
+            <a:schemeClr val="accent1"/>
+          </a:fillRef>
+          <a:effectRef idx="0">
+            <a:schemeClr val="accent1"/>
+          </a:effectRef>
+          <a:fontRef idx="minor">
+            <a:schemeClr val="lt1"/>
+          </a:fontRef>
+        </p:style>
+        <p:txBody>
+          <a:bodyPr rtlCol="0" anchor="ctr"/>
+          <a:lstStyle/>
+          <a:p>
+            <a:pPr algn="ctr"/>
+            <a:endParaRPr lang="ko-KR" altLang="en-US" dirty="0"/>
+          </a:p>
+        </p:txBody>
+      </p:sp>
+      <p:sp>
+        <p:nvSpPr>
+          <p:cNvPr id="29" name="직사각형 28">
+            <a:extLst>
+              <a:ext uri="{FF2B5EF4-FFF2-40B4-BE49-F238E27FC236}">
+                <a16:creationId xmlns:a16="http://schemas.microsoft.com/office/drawing/2014/main" id="{A0E67B3C-68BC-5352-7F8C-CD28F7FAE3A6}"/>
+              </a:ext>
+            </a:extLst>
+          </p:cNvPr>
+          <p:cNvSpPr/>
+          <p:nvPr/>
+        </p:nvSpPr>
+        <p:spPr>
+          <a:xfrm>
+            <a:off x="2184936" y="3072343"/>
+            <a:ext cx="355490" cy="369332"/>
+          </a:xfrm>
+          <a:prstGeom prst="rect">
+            <a:avLst/>
+          </a:prstGeom>
+          <a:solidFill>
+            <a:schemeClr val="accent5">
+              <a:lumMod val="40000"/>
+              <a:lumOff val="60000"/>
+              <a:alpha val="50000"/>
+            </a:schemeClr>
+          </a:solidFill>
+          <a:ln>
+            <a:noFill/>
+          </a:ln>
+        </p:spPr>
+        <p:style>
+          <a:lnRef idx="2">
+            <a:schemeClr val="accent1">
+              <a:shade val="15000"/>
+            </a:schemeClr>
+          </a:lnRef>
+          <a:fillRef idx="1">
+            <a:schemeClr val="accent1"/>
+          </a:fillRef>
+          <a:effectRef idx="0">
+            <a:schemeClr val="accent1"/>
+          </a:effectRef>
+          <a:fontRef idx="minor">
+            <a:schemeClr val="lt1"/>
+          </a:fontRef>
+        </p:style>
+        <p:txBody>
+          <a:bodyPr rtlCol="0" anchor="ctr"/>
+          <a:lstStyle/>
+          <a:p>
+            <a:pPr algn="ctr"/>
+            <a:endParaRPr lang="ko-KR" altLang="en-US" dirty="0"/>
+          </a:p>
+        </p:txBody>
+      </p:sp>
+      <p:sp>
+        <p:nvSpPr>
+          <p:cNvPr id="30" name="직사각형 29">
+            <a:extLst>
+              <a:ext uri="{FF2B5EF4-FFF2-40B4-BE49-F238E27FC236}">
+                <a16:creationId xmlns:a16="http://schemas.microsoft.com/office/drawing/2014/main" id="{C8CABCE4-977C-3AFA-6FBE-2556EA7FF614}"/>
+              </a:ext>
+            </a:extLst>
+          </p:cNvPr>
+          <p:cNvSpPr/>
+          <p:nvPr/>
+        </p:nvSpPr>
+        <p:spPr>
+          <a:xfrm>
+            <a:off x="2617640" y="3064456"/>
+            <a:ext cx="355490" cy="369332"/>
+          </a:xfrm>
+          <a:prstGeom prst="rect">
+            <a:avLst/>
+          </a:prstGeom>
+          <a:solidFill>
+            <a:schemeClr val="accent5">
+              <a:lumMod val="40000"/>
+              <a:lumOff val="60000"/>
+              <a:alpha val="50000"/>
+            </a:schemeClr>
+          </a:solidFill>
+          <a:ln>
+            <a:noFill/>
+          </a:ln>
+        </p:spPr>
+        <p:style>
+          <a:lnRef idx="2">
+            <a:schemeClr val="accent1">
+              <a:shade val="15000"/>
+            </a:schemeClr>
+          </a:lnRef>
+          <a:fillRef idx="1">
+            <a:schemeClr val="accent1"/>
+          </a:fillRef>
+          <a:effectRef idx="0">
+            <a:schemeClr val="accent1"/>
+          </a:effectRef>
+          <a:fontRef idx="minor">
+            <a:schemeClr val="lt1"/>
+          </a:fontRef>
+        </p:style>
+        <p:txBody>
+          <a:bodyPr rtlCol="0" anchor="ctr"/>
+          <a:lstStyle/>
+          <a:p>
+            <a:pPr algn="ctr"/>
+            <a:endParaRPr lang="ko-KR" altLang="en-US" dirty="0"/>
+          </a:p>
+        </p:txBody>
+      </p:sp>
+      <p:sp>
+        <p:nvSpPr>
+          <p:cNvPr id="31" name="직사각형 30">
+            <a:extLst>
+              <a:ext uri="{FF2B5EF4-FFF2-40B4-BE49-F238E27FC236}">
+                <a16:creationId xmlns:a16="http://schemas.microsoft.com/office/drawing/2014/main" id="{F554E7CB-67E8-28F2-CCE0-A68C03C1CC5F}"/>
+              </a:ext>
+            </a:extLst>
+          </p:cNvPr>
+          <p:cNvSpPr/>
+          <p:nvPr/>
+        </p:nvSpPr>
+        <p:spPr>
+          <a:xfrm>
+            <a:off x="3050344" y="3064456"/>
+            <a:ext cx="355490" cy="369332"/>
+          </a:xfrm>
+          <a:prstGeom prst="rect">
+            <a:avLst/>
+          </a:prstGeom>
+          <a:solidFill>
+            <a:schemeClr val="accent5">
+              <a:lumMod val="40000"/>
+              <a:lumOff val="60000"/>
+              <a:alpha val="50000"/>
+            </a:schemeClr>
+          </a:solidFill>
+          <a:ln>
+            <a:noFill/>
+          </a:ln>
+        </p:spPr>
+        <p:style>
+          <a:lnRef idx="2">
+            <a:schemeClr val="accent1">
+              <a:shade val="15000"/>
+            </a:schemeClr>
+          </a:lnRef>
+          <a:fillRef idx="1">
+            <a:schemeClr val="accent1"/>
+          </a:fillRef>
+          <a:effectRef idx="0">
+            <a:schemeClr val="accent1"/>
+          </a:effectRef>
+          <a:fontRef idx="minor">
+            <a:schemeClr val="lt1"/>
+          </a:fontRef>
+        </p:style>
+        <p:txBody>
+          <a:bodyPr rtlCol="0" anchor="ctr"/>
+          <a:lstStyle/>
+          <a:p>
+            <a:pPr algn="ctr"/>
+            <a:endParaRPr lang="ko-KR" altLang="en-US" dirty="0"/>
+          </a:p>
+        </p:txBody>
+      </p:sp>
+      <p:cxnSp>
+        <p:nvCxnSpPr>
+          <p:cNvPr id="32" name="직선 연결선 31">
+            <a:extLst>
+              <a:ext uri="{FF2B5EF4-FFF2-40B4-BE49-F238E27FC236}">
+                <a16:creationId xmlns:a16="http://schemas.microsoft.com/office/drawing/2014/main" id="{B45026C8-6989-4807-51C3-96E65B27E273}"/>
+              </a:ext>
+            </a:extLst>
+          </p:cNvPr>
+          <p:cNvCxnSpPr>
+            <a:cxnSpLocks/>
+          </p:cNvCxnSpPr>
+          <p:nvPr/>
+        </p:nvCxnSpPr>
+        <p:spPr>
+          <a:xfrm flipH="1" flipV="1">
+            <a:off x="2405287" y="859771"/>
+            <a:ext cx="382325" cy="2270688"/>
+          </a:xfrm>
+          <a:prstGeom prst="line">
+            <a:avLst/>
+          </a:prstGeom>
+        </p:spPr>
+        <p:style>
+          <a:lnRef idx="2">
+            <a:schemeClr val="accent1"/>
+          </a:lnRef>
+          <a:fillRef idx="0">
+            <a:schemeClr val="accent1"/>
+          </a:fillRef>
+          <a:effectRef idx="1">
+            <a:schemeClr val="accent1"/>
+          </a:effectRef>
+          <a:fontRef idx="minor">
+            <a:schemeClr val="tx1"/>
+          </a:fontRef>
+        </p:style>
+      </p:cxnSp>
+      <p:sp>
+        <p:nvSpPr>
+          <p:cNvPr id="34" name="TextBox 33">
+            <a:extLst>
+              <a:ext uri="{FF2B5EF4-FFF2-40B4-BE49-F238E27FC236}">
+                <a16:creationId xmlns:a16="http://schemas.microsoft.com/office/drawing/2014/main" id="{57B60DB8-B3E0-3AF0-C0D5-8DCEBB8230ED}"/>
+              </a:ext>
+            </a:extLst>
+          </p:cNvPr>
+          <p:cNvSpPr txBox="1"/>
+          <p:nvPr/>
+        </p:nvSpPr>
+        <p:spPr>
+          <a:xfrm>
+            <a:off x="1933337" y="539234"/>
+            <a:ext cx="684640" cy="369332"/>
+          </a:xfrm>
+          <a:prstGeom prst="rect">
+            <a:avLst/>
+          </a:prstGeom>
+          <a:noFill/>
+        </p:spPr>
+        <p:txBody>
+          <a:bodyPr wrap="square" rtlCol="0">
+            <a:spAutoFit/>
+          </a:bodyPr>
+          <a:lstStyle/>
+          <a:p>
+            <a:r>
+              <a:rPr lang="ko-KR" altLang="en-US" dirty="0"/>
+              <a:t>소통</a:t>
+            </a:r>
+            <a:endParaRPr lang="en-US" altLang="ko-KR" dirty="0"/>
+          </a:p>
+        </p:txBody>
+      </p:sp>
+    </p:spTree>
+    <p:extLst>
+      <p:ext uri="{BB962C8B-B14F-4D97-AF65-F5344CB8AC3E}">
+        <p14:creationId xmlns:p14="http://schemas.microsoft.com/office/powerpoint/2010/main" val="518722566"/>
+      </p:ext>
+    </p:extLst>
+  </p:cSld>
+  <p:clrMapOvr>
+    <a:masterClrMapping/>
+  </p:clrMapOvr>
+</p:sld>
+</file>
+
+<file path=ppt/slides/slide7.xml><?xml version="1.0" encoding="utf-8"?>
+<p:sld xmlns:a="http://schemas.openxmlformats.org/drawingml/2006/main" xmlns:r="http://schemas.openxmlformats.org/officeDocument/2006/relationships" xmlns:p="http://schemas.openxmlformats.org/presentationml/2006/main">
+  <p:cSld>
+    <p:spTree>
+      <p:nvGrpSpPr>
+        <p:cNvPr id="1" name=""/>
+        <p:cNvGrpSpPr/>
+        <p:nvPr/>
+      </p:nvGrpSpPr>
+      <p:grpSpPr>
+        <a:xfrm>
+          <a:off x="0" y="0"/>
+          <a:ext cx="0" cy="0"/>
+          <a:chOff x="0" y="0"/>
+          <a:chExt cx="0" cy="0"/>
+        </a:xfrm>
+      </p:grpSpPr>
+      <p:sp>
+        <p:nvSpPr>
+          <p:cNvPr id="4" name="TextBox 3">
+            <a:extLst>
+              <a:ext uri="{FF2B5EF4-FFF2-40B4-BE49-F238E27FC236}">
+                <a16:creationId xmlns:a16="http://schemas.microsoft.com/office/drawing/2014/main" id="{075E5029-557C-EFF5-81B5-74EA1B7A7E81}"/>
+              </a:ext>
+            </a:extLst>
+          </p:cNvPr>
+          <p:cNvSpPr txBox="1"/>
+          <p:nvPr/>
+        </p:nvSpPr>
+        <p:spPr>
+          <a:xfrm>
+            <a:off x="374650" y="354568"/>
+            <a:ext cx="2622550" cy="369332"/>
+          </a:xfrm>
+          <a:prstGeom prst="rect">
+            <a:avLst/>
+          </a:prstGeom>
+          <a:noFill/>
+        </p:spPr>
+        <p:txBody>
+          <a:bodyPr wrap="square" rtlCol="0">
+            <a:spAutoFit/>
+          </a:bodyPr>
+          <a:lstStyle/>
+          <a:p>
+            <a:r>
+              <a:rPr lang="ko-KR" altLang="en-US" dirty="0"/>
+              <a:t>컨텐츠</a:t>
+            </a:r>
+          </a:p>
+        </p:txBody>
+      </p:sp>
+      <p:graphicFrame>
+        <p:nvGraphicFramePr>
+          <p:cNvPr id="2" name="표 1">
+            <a:extLst>
+              <a:ext uri="{FF2B5EF4-FFF2-40B4-BE49-F238E27FC236}">
+                <a16:creationId xmlns:a16="http://schemas.microsoft.com/office/drawing/2014/main" id="{FA3EE4A1-B3A4-E9FF-C78E-36735E3D4548}"/>
+              </a:ext>
+            </a:extLst>
+          </p:cNvPr>
+          <p:cNvGraphicFramePr>
+            <a:graphicFrameLocks noGrp="1"/>
+          </p:cNvGraphicFramePr>
+          <p:nvPr>
+            <p:extLst>
+              <p:ext uri="{D42A27DB-BD31-4B8C-83A1-F6EECF244321}">
+                <p14:modId xmlns:p14="http://schemas.microsoft.com/office/powerpoint/2010/main" val="2389053577"/>
+              </p:ext>
+            </p:extLst>
+          </p:nvPr>
+        </p:nvGraphicFramePr>
+        <p:xfrm>
+          <a:off x="2032000" y="1371600"/>
+          <a:ext cx="8127999" cy="4114800"/>
+        </p:xfrm>
+        <a:graphic>
+          <a:graphicData uri="http://schemas.openxmlformats.org/drawingml/2006/table">
+            <a:tbl>
+              <a:tblPr firstRow="1" bandRow="1">
+                <a:tableStyleId>{616DA210-FB5B-4158-B5E0-FEB733F419BA}</a:tableStyleId>
+              </a:tblPr>
+              <a:tblGrid>
+                <a:gridCol w="1678940">
+                  <a:extLst>
+                    <a:ext uri="{9D8B030D-6E8A-4147-A177-3AD203B41FA5}">
+                      <a16:colId xmlns:a16="http://schemas.microsoft.com/office/drawing/2014/main" val="2903665718"/>
+                    </a:ext>
+                  </a:extLst>
+                </a:gridCol>
+                <a:gridCol w="6449059">
+                  <a:extLst>
+                    <a:ext uri="{9D8B030D-6E8A-4147-A177-3AD203B41FA5}">
+                      <a16:colId xmlns:a16="http://schemas.microsoft.com/office/drawing/2014/main" val="2514788107"/>
+                    </a:ext>
+                  </a:extLst>
+                </a:gridCol>
+              </a:tblGrid>
+              <a:tr h="317636">
+                <a:tc>
+                  <a:txBody>
+                    <a:bodyPr/>
+                    <a:lstStyle/>
+                    <a:p>
+                      <a:pPr algn="ctr" latinLnBrk="1"/>
+                      <a:r>
+                        <a:rPr lang="ko-KR" altLang="en-US" b="0" dirty="0"/>
+                        <a:t>인원</a:t>
+                      </a:r>
+                    </a:p>
+                  </a:txBody>
+                  <a:tcPr>
+                    <a:lnL w="12700" cap="flat" cmpd="sng" algn="ctr">
+                      <a:solidFill>
+                        <a:schemeClr val="tx1"/>
+                      </a:solidFill>
+                      <a:prstDash val="solid"/>
+                      <a:round/>
+                      <a:headEnd type="none" w="med" len="med"/>
+                      <a:tailEnd type="none" w="med" len="med"/>
+                    </a:lnL>
+                    <a:lnR w="12700" cap="flat" cmpd="sng" algn="ctr">
+                      <a:solidFill>
+                        <a:schemeClr val="tx1"/>
+                      </a:solidFill>
+                      <a:prstDash val="solid"/>
+                      <a:round/>
+                      <a:headEnd type="none" w="med" len="med"/>
+                      <a:tailEnd type="none" w="med" len="med"/>
+                    </a:lnR>
+                    <a:lnT w="12700" cap="flat" cmpd="sng" algn="ctr">
+                      <a:solidFill>
+                        <a:schemeClr val="tx1"/>
+                      </a:solidFill>
+                      <a:prstDash val="solid"/>
+                      <a:round/>
+                      <a:headEnd type="none" w="med" len="med"/>
+                      <a:tailEnd type="none" w="med" len="med"/>
+                    </a:lnT>
+                    <a:lnB w="12700" cap="flat" cmpd="sng" algn="ctr">
+                      <a:solidFill>
+                        <a:schemeClr val="tx1"/>
+                      </a:solidFill>
+                      <a:prstDash val="solid"/>
+                      <a:round/>
+                      <a:headEnd type="none" w="med" len="med"/>
+                      <a:tailEnd type="none" w="med" len="med"/>
+                    </a:lnB>
+                    <a:lnTlToBr w="12700" cmpd="sng">
+                      <a:noFill/>
+                      <a:prstDash val="solid"/>
+                    </a:lnTlToBr>
+                    <a:lnBlToTr w="12700" cmpd="sng">
+                      <a:noFill/>
+                      <a:prstDash val="solid"/>
+                    </a:lnBlToTr>
+                  </a:tcPr>
+                </a:tc>
+                <a:tc>
+                  <a:txBody>
+                    <a:bodyPr/>
+                    <a:lstStyle/>
+                    <a:p>
+                      <a:pPr algn="l" latinLnBrk="1"/>
+                      <a:r>
+                        <a:rPr lang="en-US" altLang="ko-KR" b="0" dirty="0"/>
+                        <a:t>1 vs 3 </a:t>
+                      </a:r>
+                      <a:r>
+                        <a:rPr lang="ko-KR" altLang="en-US" b="0" dirty="0"/>
+                        <a:t>비대칭 서바이벌</a:t>
+                      </a:r>
+                    </a:p>
+                  </a:txBody>
+                  <a:tcPr>
+                    <a:lnL w="12700" cap="flat" cmpd="sng" algn="ctr">
+                      <a:solidFill>
+                        <a:schemeClr val="tx1"/>
+                      </a:solidFill>
+                      <a:prstDash val="solid"/>
+                      <a:round/>
+                      <a:headEnd type="none" w="med" len="med"/>
+                      <a:tailEnd type="none" w="med" len="med"/>
+                    </a:lnL>
+                    <a:lnR w="12700" cap="flat" cmpd="sng" algn="ctr">
+                      <a:solidFill>
+                        <a:schemeClr val="tx1"/>
+                      </a:solidFill>
+                      <a:prstDash val="solid"/>
+                      <a:round/>
+                      <a:headEnd type="none" w="med" len="med"/>
+                      <a:tailEnd type="none" w="med" len="med"/>
+                    </a:lnR>
+                    <a:lnT w="12700" cap="flat" cmpd="sng" algn="ctr">
+                      <a:solidFill>
+                        <a:schemeClr val="tx1"/>
+                      </a:solidFill>
+                      <a:prstDash val="solid"/>
+                      <a:round/>
+                      <a:headEnd type="none" w="med" len="med"/>
+                      <a:tailEnd type="none" w="med" len="med"/>
+                    </a:lnT>
+                    <a:lnB w="12700" cap="flat" cmpd="sng" algn="ctr">
+                      <a:solidFill>
+                        <a:schemeClr val="tx1"/>
+                      </a:solidFill>
+                      <a:prstDash val="solid"/>
+                      <a:round/>
+                      <a:headEnd type="none" w="med" len="med"/>
+                      <a:tailEnd type="none" w="med" len="med"/>
+                    </a:lnB>
+                    <a:lnTlToBr w="12700" cmpd="sng">
+                      <a:noFill/>
+                      <a:prstDash val="solid"/>
+                    </a:lnTlToBr>
+                    <a:lnBlToTr w="12700" cmpd="sng">
+                      <a:noFill/>
+                      <a:prstDash val="solid"/>
+                    </a:lnBlToTr>
+                  </a:tcPr>
+                </a:tc>
+                <a:extLst>
+                  <a:ext uri="{0D108BD9-81ED-4DB2-BD59-A6C34878D82A}">
+                    <a16:rowId xmlns:a16="http://schemas.microsoft.com/office/drawing/2014/main" val="3175471591"/>
+                  </a:ext>
+                </a:extLst>
+              </a:tr>
+              <a:tr h="743204">
+                <a:tc>
+                  <a:txBody>
+                    <a:bodyPr/>
+                    <a:lstStyle/>
+                    <a:p>
+                      <a:pPr algn="ctr" latinLnBrk="1"/>
+                      <a:endParaRPr lang="en-US" altLang="ko-KR" dirty="0"/>
+                    </a:p>
+                    <a:p>
+                      <a:pPr algn="ctr" latinLnBrk="1"/>
+                      <a:r>
+                        <a:rPr lang="ko-KR" altLang="en-US" dirty="0"/>
+                        <a:t>승리 조건</a:t>
+                      </a:r>
+                    </a:p>
+                  </a:txBody>
+                  <a:tcPr>
+                    <a:lnT w="12700" cap="flat" cmpd="sng" algn="ctr">
+                      <a:solidFill>
+                        <a:schemeClr val="tx1"/>
+                      </a:solidFill>
+                      <a:prstDash val="solid"/>
+                      <a:round/>
+                      <a:headEnd type="none" w="med" len="med"/>
+                      <a:tailEnd type="none" w="med" len="med"/>
+                    </a:lnT>
+                    <a:solidFill>
+                      <a:schemeClr val="bg1">
+                        <a:alpha val="20000"/>
+                      </a:schemeClr>
+                    </a:solidFill>
+                  </a:tcPr>
+                </a:tc>
+                <a:tc>
+                  <a:txBody>
+                    <a:bodyPr/>
+                    <a:lstStyle/>
+                    <a:p>
+                      <a:pPr algn="l" latinLnBrk="1"/>
+                      <a:r>
+                        <a:rPr lang="ko-KR" altLang="en-US" dirty="0"/>
+                        <a:t>의식 측 </a:t>
+                      </a:r>
+                      <a:r>
+                        <a:rPr lang="en-US" altLang="ko-KR" dirty="0"/>
+                        <a:t>– </a:t>
+                      </a:r>
+                      <a:r>
+                        <a:rPr lang="ko-KR" altLang="en-US" dirty="0"/>
+                        <a:t>의식을 완성</a:t>
+                      </a:r>
+                      <a:endParaRPr lang="en-US" altLang="ko-KR" dirty="0"/>
+                    </a:p>
+                    <a:p>
+                      <a:pPr algn="l" latinLnBrk="1"/>
+                      <a:r>
+                        <a:rPr lang="ko-KR" altLang="en-US" dirty="0"/>
+                        <a:t>술래 측 </a:t>
+                      </a:r>
+                      <a:r>
+                        <a:rPr lang="en-US" altLang="ko-KR" dirty="0"/>
+                        <a:t>– </a:t>
+                      </a:r>
+                      <a:r>
+                        <a:rPr lang="ko-KR" altLang="en-US" dirty="0"/>
+                        <a:t>시간이 다 될 때까지 의식을 저지하기 혹은</a:t>
+                      </a:r>
+                      <a:endParaRPr lang="en-US" altLang="ko-KR" dirty="0"/>
+                    </a:p>
+                    <a:p>
+                      <a:pPr algn="l" latinLnBrk="1"/>
+                      <a:r>
+                        <a:rPr lang="en-US" altLang="ko-KR" dirty="0"/>
+                        <a:t>             </a:t>
+                      </a:r>
+                      <a:r>
+                        <a:rPr lang="ko-KR" altLang="en-US" dirty="0"/>
+                        <a:t>상대를 다 게임오버 시키기</a:t>
+                      </a:r>
+                    </a:p>
+                  </a:txBody>
+                  <a:tcPr>
+                    <a:lnT w="12700" cap="flat" cmpd="sng" algn="ctr">
+                      <a:solidFill>
+                        <a:schemeClr val="tx1"/>
+                      </a:solidFill>
+                      <a:prstDash val="solid"/>
+                      <a:round/>
+                      <a:headEnd type="none" w="med" len="med"/>
+                      <a:tailEnd type="none" w="med" len="med"/>
+                    </a:lnT>
+                    <a:solidFill>
+                      <a:schemeClr val="bg1">
+                        <a:alpha val="20000"/>
+                      </a:schemeClr>
+                    </a:solidFill>
+                  </a:tcPr>
+                </a:tc>
+                <a:extLst>
+                  <a:ext uri="{0D108BD9-81ED-4DB2-BD59-A6C34878D82A}">
+                    <a16:rowId xmlns:a16="http://schemas.microsoft.com/office/drawing/2014/main" val="138038658"/>
+                  </a:ext>
+                </a:extLst>
+              </a:tr>
+              <a:tr h="2619636">
+                <a:tc>
+                  <a:txBody>
+                    <a:bodyPr/>
+                    <a:lstStyle/>
+                    <a:p>
+                      <a:pPr algn="ctr" latinLnBrk="1"/>
+                      <a:endParaRPr lang="en-US" altLang="ko-KR" dirty="0"/>
+                    </a:p>
+                    <a:p>
+                      <a:pPr algn="ctr" latinLnBrk="1"/>
+                      <a:endParaRPr lang="en-US" altLang="ko-KR" dirty="0"/>
+                    </a:p>
+                    <a:p>
+                      <a:pPr algn="ctr" latinLnBrk="1"/>
+                      <a:endParaRPr lang="en-US" altLang="ko-KR" dirty="0"/>
+                    </a:p>
+                    <a:p>
+                      <a:pPr algn="ctr" latinLnBrk="1"/>
+                      <a:endParaRPr lang="en-US" altLang="ko-KR" dirty="0"/>
+                    </a:p>
+                    <a:p>
+                      <a:pPr algn="ctr" latinLnBrk="1"/>
+                      <a:endParaRPr lang="en-US" altLang="ko-KR" dirty="0"/>
+                    </a:p>
+                    <a:p>
+                      <a:pPr algn="ctr" latinLnBrk="1"/>
+                      <a:r>
+                        <a:rPr lang="ko-KR" altLang="en-US" dirty="0"/>
+                        <a:t>설명</a:t>
+                      </a:r>
+                    </a:p>
+                  </a:txBody>
+                  <a:tcPr>
+                    <a:solidFill>
+                      <a:schemeClr val="bg1">
+                        <a:alpha val="20000"/>
+                      </a:schemeClr>
+                    </a:solidFill>
+                  </a:tcPr>
+                </a:tc>
+                <a:tc>
+                  <a:txBody>
+                    <a:bodyPr/>
+                    <a:lstStyle/>
+                    <a:p>
+                      <a:pPr algn="l" latinLnBrk="1"/>
+                      <a:r>
+                        <a:rPr lang="ko-KR" altLang="en-US" dirty="0"/>
+                        <a:t>플레이어의 목숨은 두 개</a:t>
+                      </a:r>
+                      <a:r>
+                        <a:rPr lang="en-US" altLang="ko-KR" dirty="0"/>
+                        <a:t>(</a:t>
+                      </a:r>
+                      <a:r>
+                        <a:rPr lang="ko-KR" altLang="en-US" dirty="0"/>
+                        <a:t>추후 조정 가능</a:t>
+                      </a:r>
+                      <a:r>
+                        <a:rPr lang="en-US" altLang="ko-KR" dirty="0"/>
+                        <a:t>)</a:t>
+                      </a:r>
+                    </a:p>
+                    <a:p>
+                      <a:pPr algn="l" latinLnBrk="1"/>
+                      <a:endParaRPr lang="en-US" altLang="ko-KR" dirty="0"/>
+                    </a:p>
+                    <a:p>
+                      <a:pPr algn="l" latinLnBrk="1"/>
+                      <a:r>
+                        <a:rPr lang="ko-KR" altLang="en-US" dirty="0" err="1"/>
+                        <a:t>맵의</a:t>
+                      </a:r>
+                      <a:r>
+                        <a:rPr lang="ko-KR" altLang="en-US" dirty="0"/>
+                        <a:t> </a:t>
+                      </a:r>
+                      <a:r>
+                        <a:rPr lang="ko-KR" altLang="en-US" dirty="0" err="1"/>
+                        <a:t>랜덤한</a:t>
+                      </a:r>
+                      <a:r>
+                        <a:rPr lang="ko-KR" altLang="en-US" dirty="0"/>
+                        <a:t> 위치에 오브젝트가 생성</a:t>
+                      </a:r>
+                      <a:endParaRPr lang="en-US" altLang="ko-KR" dirty="0"/>
+                    </a:p>
+                    <a:p>
+                      <a:pPr algn="l" latinLnBrk="1"/>
+                      <a:endParaRPr lang="en-US" altLang="ko-KR" dirty="0"/>
+                    </a:p>
+                    <a:p>
+                      <a:pPr algn="l" latinLnBrk="1"/>
+                      <a:r>
+                        <a:rPr lang="ko-KR" altLang="en-US" dirty="0"/>
+                        <a:t>플레이 시간은 </a:t>
+                      </a:r>
+                      <a:r>
+                        <a:rPr lang="en-US" altLang="ko-KR" dirty="0"/>
+                        <a:t>20</a:t>
+                      </a:r>
+                      <a:r>
+                        <a:rPr lang="ko-KR" altLang="en-US" dirty="0"/>
+                        <a:t>분</a:t>
+                      </a:r>
+                      <a:r>
+                        <a:rPr lang="en-US" altLang="ko-KR" dirty="0"/>
+                        <a:t>(</a:t>
+                      </a:r>
+                      <a:r>
+                        <a:rPr lang="ko-KR" altLang="en-US" dirty="0"/>
+                        <a:t>조정 가능</a:t>
+                      </a:r>
+                      <a:r>
+                        <a:rPr lang="en-US" altLang="ko-KR" dirty="0"/>
+                        <a:t>)</a:t>
+                      </a:r>
+                    </a:p>
+                    <a:p>
+                      <a:pPr algn="l" latinLnBrk="1"/>
+                      <a:endParaRPr lang="en-US" altLang="ko-KR" dirty="0"/>
+                    </a:p>
+                    <a:p>
+                      <a:pPr algn="l" latinLnBrk="1"/>
+                      <a:r>
+                        <a:rPr lang="ko-KR" altLang="en-US" dirty="0"/>
+                        <a:t>시간 내에 의식을 완성시키지 못하면 경찰 지원 병력이 </a:t>
+                      </a:r>
+                      <a:endParaRPr lang="en-US" altLang="ko-KR" dirty="0"/>
+                    </a:p>
+                    <a:p>
+                      <a:pPr algn="l" latinLnBrk="1"/>
+                      <a:r>
+                        <a:rPr lang="ko-KR" altLang="en-US" dirty="0"/>
+                        <a:t>출동하여 술래 승리</a:t>
+                      </a:r>
+                      <a:r>
+                        <a:rPr lang="en-US" altLang="ko-KR" dirty="0"/>
+                        <a:t>.</a:t>
+                      </a:r>
+                    </a:p>
+                    <a:p>
+                      <a:pPr algn="l" latinLnBrk="1"/>
+                      <a:endParaRPr lang="en-US" altLang="ko-KR" dirty="0"/>
+                    </a:p>
+                    <a:p>
+                      <a:pPr algn="l" latinLnBrk="1"/>
+                      <a:r>
+                        <a:rPr lang="ko-KR" altLang="en-US" dirty="0"/>
+                        <a:t>목숨이 다 한 팀원은 상호작용 불가</a:t>
+                      </a:r>
+                      <a:r>
+                        <a:rPr lang="en-US" altLang="ko-KR" dirty="0"/>
+                        <a:t>( </a:t>
+                      </a:r>
+                      <a:r>
+                        <a:rPr lang="ko-KR" altLang="en-US" dirty="0"/>
+                        <a:t>관전만 가능</a:t>
+                      </a:r>
+                      <a:r>
+                        <a:rPr lang="en-US" altLang="ko-KR" dirty="0"/>
+                        <a:t> ) </a:t>
+                      </a:r>
+                    </a:p>
+                  </a:txBody>
+                  <a:tcPr>
+                    <a:solidFill>
+                      <a:schemeClr val="bg1">
+                        <a:alpha val="20000"/>
+                      </a:schemeClr>
+                    </a:solidFill>
+                  </a:tcPr>
+                </a:tc>
+                <a:extLst>
+                  <a:ext uri="{0D108BD9-81ED-4DB2-BD59-A6C34878D82A}">
+                    <a16:rowId xmlns:a16="http://schemas.microsoft.com/office/drawing/2014/main" val="2239567468"/>
+                  </a:ext>
+                </a:extLst>
+              </a:tr>
+            </a:tbl>
+          </a:graphicData>
+        </a:graphic>
+      </p:graphicFrame>
+    </p:spTree>
+    <p:extLst>
+      <p:ext uri="{BB962C8B-B14F-4D97-AF65-F5344CB8AC3E}">
+        <p14:creationId xmlns:p14="http://schemas.microsoft.com/office/powerpoint/2010/main" val="3431305562"/>
+      </p:ext>
+    </p:extLst>
+  </p:cSld>
+  <p:clrMapOvr>
+    <a:masterClrMapping/>
+  </p:clrMapOvr>
+</p:sld>
+</file>
+
+<file path=ppt/slides/slide8.xml><?xml version="1.0" encoding="utf-8"?>
+<p:sld xmlns:a="http://schemas.openxmlformats.org/drawingml/2006/main" xmlns:r="http://schemas.openxmlformats.org/officeDocument/2006/relationships" xmlns:p="http://schemas.openxmlformats.org/presentationml/2006/main">
+  <p:cSld>
+    <p:spTree>
+      <p:nvGrpSpPr>
+        <p:cNvPr id="1" name=""/>
+        <p:cNvGrpSpPr/>
+        <p:nvPr/>
+      </p:nvGrpSpPr>
+      <p:grpSpPr>
+        <a:xfrm>
+          <a:off x="0" y="0"/>
+          <a:ext cx="0" cy="0"/>
+          <a:chOff x="0" y="0"/>
+          <a:chExt cx="0" cy="0"/>
+        </a:xfrm>
+      </p:grpSpPr>
+      <p:sp>
+        <p:nvSpPr>
+          <p:cNvPr id="4" name="TextBox 3">
+            <a:extLst>
+              <a:ext uri="{FF2B5EF4-FFF2-40B4-BE49-F238E27FC236}">
+                <a16:creationId xmlns:a16="http://schemas.microsoft.com/office/drawing/2014/main" id="{075E5029-557C-EFF5-81B5-74EA1B7A7E81}"/>
+              </a:ext>
+            </a:extLst>
+          </p:cNvPr>
+          <p:cNvSpPr txBox="1"/>
+          <p:nvPr/>
+        </p:nvSpPr>
+        <p:spPr>
+          <a:xfrm>
+            <a:off x="374650" y="354568"/>
+            <a:ext cx="2622550" cy="369332"/>
+          </a:xfrm>
+          <a:prstGeom prst="rect">
+            <a:avLst/>
+          </a:prstGeom>
+          <a:noFill/>
+        </p:spPr>
+        <p:txBody>
+          <a:bodyPr wrap="square" rtlCol="0">
+            <a:spAutoFit/>
+          </a:bodyPr>
+          <a:lstStyle/>
+          <a:p>
+            <a:r>
+              <a:rPr lang="ko-KR" altLang="en-US" dirty="0"/>
+              <a:t>컨텐츠</a:t>
+            </a:r>
+          </a:p>
+        </p:txBody>
+      </p:sp>
+      <p:grpSp>
+        <p:nvGrpSpPr>
+          <p:cNvPr id="3" name="그룹 2">
+            <a:extLst>
+              <a:ext uri="{FF2B5EF4-FFF2-40B4-BE49-F238E27FC236}">
+                <a16:creationId xmlns:a16="http://schemas.microsoft.com/office/drawing/2014/main" id="{76566461-6023-55CE-855D-4B712F679789}"/>
+              </a:ext>
+            </a:extLst>
+          </p:cNvPr>
+          <p:cNvGrpSpPr/>
+          <p:nvPr/>
+        </p:nvGrpSpPr>
+        <p:grpSpPr>
+          <a:xfrm>
+            <a:off x="272045" y="1642668"/>
+            <a:ext cx="4081850" cy="4081850"/>
+            <a:chOff x="238511" y="891934"/>
+            <a:chExt cx="4081850" cy="4081850"/>
+          </a:xfrm>
+        </p:grpSpPr>
+        <p:sp>
+          <p:nvSpPr>
+            <p:cNvPr id="5" name="직사각형 4">
+              <a:extLst>
+                <a:ext uri="{FF2B5EF4-FFF2-40B4-BE49-F238E27FC236}">
+                  <a16:creationId xmlns:a16="http://schemas.microsoft.com/office/drawing/2014/main" id="{0C35E4A6-CDDF-6C5D-1FD1-B66E931C74DE}"/>
+                </a:ext>
+              </a:extLst>
+            </p:cNvPr>
+            <p:cNvSpPr>
+              <a:spLocks noChangeAspect="1"/>
+            </p:cNvSpPr>
+            <p:nvPr/>
+          </p:nvSpPr>
+          <p:spPr>
+            <a:xfrm>
+              <a:off x="238511" y="891934"/>
+              <a:ext cx="4081850" cy="4081850"/>
+            </a:xfrm>
+            <a:prstGeom prst="rect">
+              <a:avLst/>
+            </a:prstGeom>
+            <a:solidFill>
+              <a:schemeClr val="bg1">
+                <a:lumMod val="50000"/>
+              </a:schemeClr>
+            </a:solidFill>
+          </p:spPr>
+          <p:style>
+            <a:lnRef idx="2">
+              <a:schemeClr val="accent1">
+                <a:shade val="15000"/>
+              </a:schemeClr>
+            </a:lnRef>
+            <a:fillRef idx="1">
+              <a:schemeClr val="accent1"/>
+            </a:fillRef>
+            <a:effectRef idx="0">
+              <a:schemeClr val="accent1"/>
+            </a:effectRef>
+            <a:fontRef idx="minor">
+              <a:schemeClr val="lt1"/>
+            </a:fontRef>
+          </p:style>
+          <p:txBody>
+            <a:bodyPr rtlCol="0" anchor="ctr"/>
+            <a:lstStyle/>
+            <a:p>
+              <a:pPr algn="ctr"/>
+              <a:endParaRPr lang="ko-KR" altLang="en-US"/>
+            </a:p>
+          </p:txBody>
+        </p:sp>
+        <p:sp>
+          <p:nvSpPr>
+            <p:cNvPr id="6" name="타원 5">
+              <a:extLst>
+                <a:ext uri="{FF2B5EF4-FFF2-40B4-BE49-F238E27FC236}">
+                  <a16:creationId xmlns:a16="http://schemas.microsoft.com/office/drawing/2014/main" id="{0823F20E-0E93-9010-3772-D2C32756D149}"/>
+                </a:ext>
+              </a:extLst>
+            </p:cNvPr>
+            <p:cNvSpPr>
+              <a:spLocks noChangeAspect="1"/>
+            </p:cNvSpPr>
+            <p:nvPr/>
+          </p:nvSpPr>
+          <p:spPr>
+            <a:xfrm>
+              <a:off x="433170" y="1106140"/>
+              <a:ext cx="3803932" cy="3803932"/>
+            </a:xfrm>
+            <a:prstGeom prst="ellipse">
+              <a:avLst/>
+            </a:prstGeom>
+            <a:solidFill>
+              <a:schemeClr val="bg1">
+                <a:lumMod val="85000"/>
+              </a:schemeClr>
+            </a:solidFill>
+            <a:ln w="76200"/>
+          </p:spPr>
+          <p:style>
+            <a:lnRef idx="2">
+              <a:schemeClr val="accent1">
+                <a:shade val="15000"/>
+              </a:schemeClr>
+            </a:lnRef>
+            <a:fillRef idx="1">
+              <a:schemeClr val="accent1"/>
+            </a:fillRef>
+            <a:effectRef idx="0">
+              <a:schemeClr val="accent1"/>
+            </a:effectRef>
+            <a:fontRef idx="minor">
+              <a:schemeClr val="lt1"/>
+            </a:fontRef>
+          </p:style>
+          <p:txBody>
+            <a:bodyPr rtlCol="0" anchor="ctr"/>
+            <a:lstStyle/>
+            <a:p>
+              <a:pPr algn="ctr"/>
+              <a:endParaRPr lang="ko-KR" altLang="en-US" dirty="0"/>
+            </a:p>
+          </p:txBody>
+        </p:sp>
+        <p:sp>
+          <p:nvSpPr>
+            <p:cNvPr id="8" name="직사각형 7">
+              <a:extLst>
+                <a:ext uri="{FF2B5EF4-FFF2-40B4-BE49-F238E27FC236}">
+                  <a16:creationId xmlns:a16="http://schemas.microsoft.com/office/drawing/2014/main" id="{6891E497-9159-A073-8D69-54FB52153BA6}"/>
+                </a:ext>
+              </a:extLst>
+            </p:cNvPr>
+            <p:cNvSpPr/>
+            <p:nvPr/>
+          </p:nvSpPr>
+          <p:spPr>
+            <a:xfrm>
+              <a:off x="1308579" y="1762397"/>
+              <a:ext cx="644266" cy="639992"/>
+            </a:xfrm>
+            <a:prstGeom prst="rect">
+              <a:avLst/>
+            </a:prstGeom>
+            <a:solidFill>
+              <a:schemeClr val="tx2">
+                <a:lumMod val="10000"/>
+                <a:lumOff val="90000"/>
+              </a:schemeClr>
+            </a:solidFill>
+          </p:spPr>
+          <p:style>
+            <a:lnRef idx="2">
+              <a:schemeClr val="accent1">
+                <a:shade val="15000"/>
+              </a:schemeClr>
+            </a:lnRef>
+            <a:fillRef idx="1">
+              <a:schemeClr val="accent1"/>
+            </a:fillRef>
+            <a:effectRef idx="0">
+              <a:schemeClr val="accent1"/>
+            </a:effectRef>
+            <a:fontRef idx="minor">
+              <a:schemeClr val="lt1"/>
+            </a:fontRef>
+          </p:style>
+          <p:txBody>
+            <a:bodyPr rtlCol="0" anchor="ctr"/>
+            <a:lstStyle/>
+            <a:p>
+              <a:pPr algn="ctr"/>
+              <a:endParaRPr lang="ko-KR" altLang="en-US"/>
+            </a:p>
+          </p:txBody>
+        </p:sp>
+        <p:sp>
+          <p:nvSpPr>
+            <p:cNvPr id="9" name="타원 8">
+              <a:extLst>
+                <a:ext uri="{FF2B5EF4-FFF2-40B4-BE49-F238E27FC236}">
+                  <a16:creationId xmlns:a16="http://schemas.microsoft.com/office/drawing/2014/main" id="{67640303-4138-CD39-38D0-8A7B94E790AD}"/>
+                </a:ext>
+              </a:extLst>
+            </p:cNvPr>
+            <p:cNvSpPr>
+              <a:spLocks noChangeAspect="1"/>
+            </p:cNvSpPr>
+            <p:nvPr/>
+          </p:nvSpPr>
+          <p:spPr>
+            <a:xfrm>
+              <a:off x="2217144" y="1178087"/>
+              <a:ext cx="235984" cy="235984"/>
+            </a:xfrm>
+            <a:prstGeom prst="ellipse">
+              <a:avLst/>
+            </a:prstGeom>
+            <a:solidFill>
+              <a:schemeClr val="bg1"/>
+            </a:solidFill>
+            <a:ln>
+              <a:solidFill>
+                <a:srgbClr val="FF0000"/>
+              </a:solidFill>
+            </a:ln>
+          </p:spPr>
+          <p:style>
+            <a:lnRef idx="2">
+              <a:schemeClr val="accent1">
+                <a:shade val="15000"/>
+              </a:schemeClr>
+            </a:lnRef>
+            <a:fillRef idx="1">
+              <a:schemeClr val="accent1"/>
+            </a:fillRef>
+            <a:effectRef idx="0">
+              <a:schemeClr val="accent1"/>
+            </a:effectRef>
+            <a:fontRef idx="minor">
+              <a:schemeClr val="lt1"/>
+            </a:fontRef>
+          </p:style>
+          <p:txBody>
+            <a:bodyPr rtlCol="0" anchor="ctr"/>
+            <a:lstStyle/>
+            <a:p>
+              <a:pPr algn="ctr"/>
+              <a:r>
+                <a:rPr lang="en-US" altLang="ko-KR" sz="1200" dirty="0">
+                  <a:solidFill>
+                    <a:srgbClr val="FF0000"/>
+                  </a:solidFill>
+                </a:rPr>
+                <a:t>1</a:t>
+              </a:r>
+              <a:endParaRPr lang="ko-KR" altLang="en-US" sz="1200" dirty="0">
+                <a:solidFill>
+                  <a:srgbClr val="FF0000"/>
+                </a:solidFill>
+              </a:endParaRPr>
+            </a:p>
+          </p:txBody>
+        </p:sp>
+        <p:sp>
+          <p:nvSpPr>
+            <p:cNvPr id="11" name="타원 10">
+              <a:extLst>
+                <a:ext uri="{FF2B5EF4-FFF2-40B4-BE49-F238E27FC236}">
+                  <a16:creationId xmlns:a16="http://schemas.microsoft.com/office/drawing/2014/main" id="{E723281E-1648-45DD-DCA7-5E11B6D1FFDF}"/>
+                </a:ext>
+              </a:extLst>
+            </p:cNvPr>
+            <p:cNvSpPr>
+              <a:spLocks noChangeAspect="1"/>
+            </p:cNvSpPr>
+            <p:nvPr/>
+          </p:nvSpPr>
+          <p:spPr>
+            <a:xfrm>
+              <a:off x="1512720" y="1964401"/>
+              <a:ext cx="235984" cy="235984"/>
+            </a:xfrm>
+            <a:prstGeom prst="ellipse">
+              <a:avLst/>
+            </a:prstGeom>
+            <a:solidFill>
+              <a:schemeClr val="bg1"/>
+            </a:solidFill>
+            <a:ln>
+              <a:solidFill>
+                <a:srgbClr val="FF0000"/>
+              </a:solidFill>
+            </a:ln>
+          </p:spPr>
+          <p:style>
+            <a:lnRef idx="2">
+              <a:schemeClr val="accent1">
+                <a:shade val="15000"/>
+              </a:schemeClr>
+            </a:lnRef>
+            <a:fillRef idx="1">
+              <a:schemeClr val="accent1"/>
+            </a:fillRef>
+            <a:effectRef idx="0">
+              <a:schemeClr val="accent1"/>
+            </a:effectRef>
+            <a:fontRef idx="minor">
+              <a:schemeClr val="lt1"/>
+            </a:fontRef>
+          </p:style>
+          <p:txBody>
+            <a:bodyPr rtlCol="0" anchor="ctr"/>
+            <a:lstStyle/>
+            <a:p>
+              <a:pPr algn="ctr"/>
+              <a:r>
+                <a:rPr lang="en-US" altLang="ko-KR" sz="1200" dirty="0">
+                  <a:solidFill>
+                    <a:srgbClr val="FF0000"/>
+                  </a:solidFill>
+                </a:rPr>
+                <a:t>2</a:t>
+              </a:r>
+              <a:endParaRPr lang="ko-KR" altLang="en-US" sz="1200" dirty="0">
+                <a:solidFill>
+                  <a:srgbClr val="FF0000"/>
+                </a:solidFill>
+              </a:endParaRPr>
+            </a:p>
+          </p:txBody>
+        </p:sp>
+        <p:sp>
+          <p:nvSpPr>
+            <p:cNvPr id="13" name="타원 12">
+              <a:extLst>
+                <a:ext uri="{FF2B5EF4-FFF2-40B4-BE49-F238E27FC236}">
+                  <a16:creationId xmlns:a16="http://schemas.microsoft.com/office/drawing/2014/main" id="{BC812D2B-A76C-6F36-E355-22B8318AE26D}"/>
+                </a:ext>
+              </a:extLst>
+            </p:cNvPr>
+            <p:cNvSpPr/>
+            <p:nvPr/>
+          </p:nvSpPr>
+          <p:spPr>
+            <a:xfrm>
+              <a:off x="860038" y="3015218"/>
+              <a:ext cx="293458" cy="451874"/>
+            </a:xfrm>
+            <a:prstGeom prst="ellipse">
+              <a:avLst/>
+            </a:prstGeom>
+          </p:spPr>
+          <p:style>
+            <a:lnRef idx="2">
+              <a:schemeClr val="accent1">
+                <a:shade val="15000"/>
+              </a:schemeClr>
+            </a:lnRef>
+            <a:fillRef idx="1">
+              <a:schemeClr val="accent1"/>
+            </a:fillRef>
+            <a:effectRef idx="0">
+              <a:schemeClr val="accent1"/>
+            </a:effectRef>
+            <a:fontRef idx="minor">
+              <a:schemeClr val="lt1"/>
+            </a:fontRef>
+          </p:style>
+          <p:txBody>
+            <a:bodyPr rtlCol="0" anchor="ctr"/>
+            <a:lstStyle/>
+            <a:p>
+              <a:pPr algn="ctr"/>
+              <a:endParaRPr lang="ko-KR" altLang="en-US"/>
+            </a:p>
+          </p:txBody>
+        </p:sp>
+        <p:sp>
+          <p:nvSpPr>
+            <p:cNvPr id="14" name="타원 13">
+              <a:extLst>
+                <a:ext uri="{FF2B5EF4-FFF2-40B4-BE49-F238E27FC236}">
+                  <a16:creationId xmlns:a16="http://schemas.microsoft.com/office/drawing/2014/main" id="{C5D3C741-51A1-F13B-2C9F-78F305EAA888}"/>
+                </a:ext>
+              </a:extLst>
+            </p:cNvPr>
+            <p:cNvSpPr/>
+            <p:nvPr/>
+          </p:nvSpPr>
+          <p:spPr>
+            <a:xfrm>
+              <a:off x="3203657" y="1763291"/>
+              <a:ext cx="293458" cy="451874"/>
+            </a:xfrm>
+            <a:prstGeom prst="ellipse">
+              <a:avLst/>
+            </a:prstGeom>
+          </p:spPr>
+          <p:style>
+            <a:lnRef idx="2">
+              <a:schemeClr val="accent1">
+                <a:shade val="15000"/>
+              </a:schemeClr>
+            </a:lnRef>
+            <a:fillRef idx="1">
+              <a:schemeClr val="accent1"/>
+            </a:fillRef>
+            <a:effectRef idx="0">
+              <a:schemeClr val="accent1"/>
+            </a:effectRef>
+            <a:fontRef idx="minor">
+              <a:schemeClr val="lt1"/>
+            </a:fontRef>
+          </p:style>
+          <p:txBody>
+            <a:bodyPr rtlCol="0" anchor="ctr"/>
+            <a:lstStyle/>
+            <a:p>
+              <a:pPr algn="ctr"/>
+              <a:endParaRPr lang="ko-KR" altLang="en-US"/>
+            </a:p>
+          </p:txBody>
+        </p:sp>
+        <p:sp>
+          <p:nvSpPr>
+            <p:cNvPr id="15" name="타원 14">
+              <a:extLst>
+                <a:ext uri="{FF2B5EF4-FFF2-40B4-BE49-F238E27FC236}">
+                  <a16:creationId xmlns:a16="http://schemas.microsoft.com/office/drawing/2014/main" id="{10EE8A4E-78F6-E86F-C850-B674257B3B67}"/>
+                </a:ext>
+              </a:extLst>
+            </p:cNvPr>
+            <p:cNvSpPr>
+              <a:spLocks noChangeAspect="1"/>
+            </p:cNvSpPr>
+            <p:nvPr/>
+          </p:nvSpPr>
+          <p:spPr>
+            <a:xfrm>
+              <a:off x="888937" y="3123163"/>
+              <a:ext cx="235984" cy="235984"/>
+            </a:xfrm>
+            <a:prstGeom prst="ellipse">
+              <a:avLst/>
+            </a:prstGeom>
+            <a:solidFill>
+              <a:schemeClr val="bg1"/>
+            </a:solidFill>
+            <a:ln>
+              <a:solidFill>
+                <a:srgbClr val="FF0000"/>
+              </a:solidFill>
+            </a:ln>
+          </p:spPr>
+          <p:style>
+            <a:lnRef idx="2">
+              <a:schemeClr val="accent1">
+                <a:shade val="15000"/>
+              </a:schemeClr>
+            </a:lnRef>
+            <a:fillRef idx="1">
+              <a:schemeClr val="accent1"/>
+            </a:fillRef>
+            <a:effectRef idx="0">
+              <a:schemeClr val="accent1"/>
+            </a:effectRef>
+            <a:fontRef idx="minor">
+              <a:schemeClr val="lt1"/>
+            </a:fontRef>
+          </p:style>
+          <p:txBody>
+            <a:bodyPr rtlCol="0" anchor="ctr"/>
+            <a:lstStyle/>
+            <a:p>
+              <a:pPr algn="ctr"/>
+              <a:r>
+                <a:rPr lang="en-US" altLang="ko-KR" sz="1200" dirty="0">
+                  <a:solidFill>
+                    <a:srgbClr val="FF0000"/>
+                  </a:solidFill>
+                </a:rPr>
+                <a:t>4</a:t>
+              </a:r>
+            </a:p>
+          </p:txBody>
+        </p:sp>
+      </p:grpSp>
+      <p:graphicFrame>
+        <p:nvGraphicFramePr>
+          <p:cNvPr id="18" name="표 17">
+            <a:extLst>
+              <a:ext uri="{FF2B5EF4-FFF2-40B4-BE49-F238E27FC236}">
+                <a16:creationId xmlns:a16="http://schemas.microsoft.com/office/drawing/2014/main" id="{6DAAB057-F010-5A84-3A89-377116F06A45}"/>
+              </a:ext>
+            </a:extLst>
+          </p:cNvPr>
+          <p:cNvGraphicFramePr>
+            <a:graphicFrameLocks noGrp="1"/>
+          </p:cNvGraphicFramePr>
+          <p:nvPr>
+            <p:extLst>
+              <p:ext uri="{D42A27DB-BD31-4B8C-83A1-F6EECF244321}">
+                <p14:modId xmlns:p14="http://schemas.microsoft.com/office/powerpoint/2010/main" val="1121789224"/>
+              </p:ext>
+            </p:extLst>
+          </p:nvPr>
+        </p:nvGraphicFramePr>
+        <p:xfrm>
+          <a:off x="4697504" y="2608569"/>
+          <a:ext cx="7225887" cy="2150047"/>
+        </p:xfrm>
+        <a:graphic>
+          <a:graphicData uri="http://schemas.openxmlformats.org/drawingml/2006/table">
+            <a:tbl>
+              <a:tblPr firstRow="1" bandRow="1">
+                <a:tableStyleId>{5940675A-B579-460E-94D1-54222C63F5DA}</a:tableStyleId>
+              </a:tblPr>
+              <a:tblGrid>
+                <a:gridCol w="721043">
+                  <a:extLst>
+                    <a:ext uri="{9D8B030D-6E8A-4147-A177-3AD203B41FA5}">
+                      <a16:colId xmlns:a16="http://schemas.microsoft.com/office/drawing/2014/main" val="536287816"/>
+                    </a:ext>
+                  </a:extLst>
+                </a:gridCol>
+                <a:gridCol w="1373505">
+                  <a:extLst>
+                    <a:ext uri="{9D8B030D-6E8A-4147-A177-3AD203B41FA5}">
+                      <a16:colId xmlns:a16="http://schemas.microsoft.com/office/drawing/2014/main" val="1059894399"/>
+                    </a:ext>
+                  </a:extLst>
+                </a:gridCol>
+                <a:gridCol w="5131339">
+                  <a:extLst>
+                    <a:ext uri="{9D8B030D-6E8A-4147-A177-3AD203B41FA5}">
+                      <a16:colId xmlns:a16="http://schemas.microsoft.com/office/drawing/2014/main" val="1921218838"/>
+                    </a:ext>
+                  </a:extLst>
+                </a:gridCol>
+              </a:tblGrid>
+              <a:tr h="0">
+                <a:tc>
+                  <a:txBody>
+                    <a:bodyPr/>
+                    <a:lstStyle/>
+                    <a:p>
+                      <a:pPr algn="ctr" latinLnBrk="1"/>
+                      <a:r>
+                        <a:rPr lang="ko-KR" altLang="en-US" dirty="0"/>
+                        <a:t>숫자</a:t>
+                      </a:r>
+                    </a:p>
+                  </a:txBody>
+                  <a:tcPr anchor="ctr"/>
+                </a:tc>
+                <a:tc>
+                  <a:txBody>
+                    <a:bodyPr/>
+                    <a:lstStyle/>
+                    <a:p>
+                      <a:pPr algn="ctr" latinLnBrk="1"/>
+                      <a:r>
+                        <a:rPr lang="ko-KR" altLang="en-US" dirty="0"/>
+                        <a:t>이름</a:t>
+                      </a:r>
+                    </a:p>
+                  </a:txBody>
+                  <a:tcPr anchor="ctr"/>
+                </a:tc>
+                <a:tc>
+                  <a:txBody>
+                    <a:bodyPr/>
+                    <a:lstStyle/>
+                    <a:p>
+                      <a:pPr algn="ctr" latinLnBrk="1"/>
+                      <a:r>
+                        <a:rPr lang="ko-KR" altLang="en-US" dirty="0"/>
+                        <a:t>설명</a:t>
+                      </a:r>
+                    </a:p>
+                  </a:txBody>
+                  <a:tcPr anchor="ctr"/>
+                </a:tc>
+                <a:extLst>
+                  <a:ext uri="{0D108BD9-81ED-4DB2-BD59-A6C34878D82A}">
+                    <a16:rowId xmlns:a16="http://schemas.microsoft.com/office/drawing/2014/main" val="4280775533"/>
+                  </a:ext>
+                </a:extLst>
+              </a:tr>
+              <a:tr h="0">
+                <a:tc>
+                  <a:txBody>
+                    <a:bodyPr/>
+                    <a:lstStyle/>
+                    <a:p>
+                      <a:pPr algn="ctr" latinLnBrk="1"/>
+                      <a:r>
+                        <a:rPr lang="en-US" altLang="ko-KR" sz="1600" dirty="0"/>
+                        <a:t>1</a:t>
+                      </a:r>
+                      <a:endParaRPr lang="ko-KR" altLang="en-US" sz="1600" dirty="0"/>
+                    </a:p>
+                  </a:txBody>
+                  <a:tcPr anchor="ctr"/>
+                </a:tc>
+                <a:tc>
+                  <a:txBody>
+                    <a:bodyPr/>
+                    <a:lstStyle/>
+                    <a:p>
+                      <a:pPr algn="ctr" latinLnBrk="1"/>
+                      <a:r>
+                        <a:rPr lang="ko-KR" altLang="en-US" sz="1200" dirty="0"/>
+                        <a:t>이동 구역</a:t>
+                      </a:r>
+                    </a:p>
+                  </a:txBody>
+                  <a:tcPr anchor="ctr"/>
+                </a:tc>
+                <a:tc>
+                  <a:txBody>
+                    <a:bodyPr/>
+                    <a:lstStyle/>
+                    <a:p>
+                      <a:pPr marL="285750" indent="-285750" latinLnBrk="1">
+                        <a:lnSpc>
+                          <a:spcPct val="130000"/>
+                        </a:lnSpc>
+                        <a:buFont typeface="Arial" panose="020B0604020202020204" pitchFamily="34" charset="0"/>
+                        <a:buChar char="•"/>
+                      </a:pPr>
+                      <a:r>
+                        <a:rPr lang="ko-KR" altLang="en-US" sz="1200" dirty="0"/>
+                        <a:t>캐릭터가 이동 가능한 구역</a:t>
+                      </a:r>
+                      <a:endParaRPr lang="en-US" altLang="ko-KR" sz="1200" dirty="0"/>
+                    </a:p>
+                  </a:txBody>
+                  <a:tcPr anchor="ctr"/>
+                </a:tc>
+                <a:extLst>
+                  <a:ext uri="{0D108BD9-81ED-4DB2-BD59-A6C34878D82A}">
+                    <a16:rowId xmlns:a16="http://schemas.microsoft.com/office/drawing/2014/main" val="3361415401"/>
+                  </a:ext>
+                </a:extLst>
+              </a:tr>
+              <a:tr h="0">
+                <a:tc>
+                  <a:txBody>
+                    <a:bodyPr/>
+                    <a:lstStyle/>
+                    <a:p>
+                      <a:pPr algn="ctr" latinLnBrk="1"/>
+                      <a:r>
+                        <a:rPr lang="en-US" altLang="ko-KR" sz="1600" dirty="0"/>
+                        <a:t>2</a:t>
+                      </a:r>
+                      <a:endParaRPr lang="ko-KR" altLang="en-US" sz="1600" dirty="0"/>
+                    </a:p>
+                  </a:txBody>
+                  <a:tcPr anchor="ctr"/>
+                </a:tc>
+                <a:tc>
+                  <a:txBody>
+                    <a:bodyPr/>
+                    <a:lstStyle/>
+                    <a:p>
+                      <a:pPr marL="0" indent="0" algn="ctr">
+                        <a:lnSpc>
+                          <a:spcPct val="130000"/>
+                        </a:lnSpc>
+                        <a:buFont typeface="Arial" panose="020B0604020202020204" pitchFamily="34" charset="0"/>
+                        <a:buNone/>
+                      </a:pPr>
+                      <a:r>
+                        <a:rPr lang="ko-KR" altLang="en-US" sz="1200" dirty="0" err="1"/>
+                        <a:t>스폰</a:t>
+                      </a:r>
+                      <a:r>
+                        <a:rPr lang="ko-KR" altLang="en-US" sz="1200" dirty="0"/>
+                        <a:t> 구역</a:t>
+                      </a:r>
+                    </a:p>
+                  </a:txBody>
+                  <a:tcPr anchor="ctr"/>
+                </a:tc>
+                <a:tc>
+                  <a:txBody>
+                    <a:bodyPr/>
+                    <a:lstStyle/>
+                    <a:p>
+                      <a:pPr marL="285750" indent="-285750">
+                        <a:lnSpc>
+                          <a:spcPct val="130000"/>
+                        </a:lnSpc>
+                        <a:buFont typeface="Arial" panose="020B0604020202020204" pitchFamily="34" charset="0"/>
+                        <a:buChar char="•"/>
+                      </a:pPr>
+                      <a:r>
+                        <a:rPr lang="ko-KR" altLang="en-US" sz="1200" dirty="0"/>
+                        <a:t>신도들의 </a:t>
+                      </a:r>
+                      <a:r>
+                        <a:rPr lang="ko-KR" altLang="en-US" sz="1200" dirty="0" err="1"/>
+                        <a:t>스폰</a:t>
+                      </a:r>
+                      <a:r>
+                        <a:rPr lang="ko-KR" altLang="en-US" sz="1200" dirty="0"/>
+                        <a:t> 구역</a:t>
+                      </a:r>
+                      <a:r>
+                        <a:rPr lang="en-US" altLang="ko-KR" sz="1200" dirty="0"/>
+                        <a:t>. </a:t>
+                      </a:r>
+                      <a:r>
+                        <a:rPr lang="ko-KR" altLang="en-US" sz="1200" dirty="0"/>
+                        <a:t>초기 </a:t>
+                      </a:r>
+                      <a:r>
+                        <a:rPr lang="en-US" altLang="ko-KR" sz="1200" dirty="0"/>
+                        <a:t>1 </a:t>
+                      </a:r>
+                      <a:r>
+                        <a:rPr lang="ko-KR" altLang="en-US" sz="1200" dirty="0"/>
+                        <a:t>회 랜덤 지점</a:t>
+                      </a:r>
+                      <a:r>
+                        <a:rPr lang="en-US" altLang="ko-KR" sz="1200" dirty="0"/>
+                        <a:t>.</a:t>
+                      </a:r>
+                    </a:p>
+                  </a:txBody>
+                  <a:tcPr anchor="ctr"/>
+                </a:tc>
+                <a:extLst>
+                  <a:ext uri="{0D108BD9-81ED-4DB2-BD59-A6C34878D82A}">
+                    <a16:rowId xmlns:a16="http://schemas.microsoft.com/office/drawing/2014/main" val="1036137843"/>
+                  </a:ext>
+                </a:extLst>
+              </a:tr>
+              <a:tr h="0">
+                <a:tc>
+                  <a:txBody>
+                    <a:bodyPr/>
+                    <a:lstStyle/>
+                    <a:p>
+                      <a:pPr algn="ctr" latinLnBrk="1"/>
+                      <a:r>
+                        <a:rPr lang="en-US" altLang="ko-KR" sz="1600" dirty="0"/>
+                        <a:t>3</a:t>
+                      </a:r>
+                      <a:endParaRPr lang="ko-KR" altLang="en-US" sz="1600" dirty="0"/>
+                    </a:p>
+                  </a:txBody>
+                  <a:tcPr anchor="ctr"/>
+                </a:tc>
+                <a:tc>
+                  <a:txBody>
+                    <a:bodyPr/>
+                    <a:lstStyle/>
+                    <a:p>
+                      <a:pPr marL="0" indent="0" algn="ctr">
+                        <a:lnSpc>
+                          <a:spcPct val="130000"/>
+                        </a:lnSpc>
+                        <a:buFont typeface="Arial" panose="020B0604020202020204" pitchFamily="34" charset="0"/>
+                        <a:buNone/>
+                      </a:pPr>
+                      <a:r>
+                        <a:rPr lang="ko-KR" altLang="en-US" sz="1200" dirty="0" err="1"/>
+                        <a:t>스폰</a:t>
+                      </a:r>
+                      <a:r>
+                        <a:rPr lang="ko-KR" altLang="en-US" sz="1200" dirty="0"/>
+                        <a:t> 구역</a:t>
+                      </a:r>
+                      <a:r>
+                        <a:rPr lang="en-US" altLang="ko-KR" sz="1200" dirty="0"/>
+                        <a:t>(</a:t>
+                      </a:r>
+                      <a:r>
+                        <a:rPr lang="ko-KR" altLang="en-US" sz="1200" dirty="0"/>
+                        <a:t>술래</a:t>
+                      </a:r>
+                      <a:r>
+                        <a:rPr lang="en-US" altLang="ko-KR" sz="1200" dirty="0"/>
+                        <a:t>)</a:t>
+                      </a:r>
+                      <a:endParaRPr lang="ko-KR" altLang="en-US" sz="1200" dirty="0"/>
+                    </a:p>
+                  </a:txBody>
+                  <a:tcPr anchor="ctr"/>
+                </a:tc>
+                <a:tc>
+                  <a:txBody>
+                    <a:bodyPr/>
+                    <a:lstStyle/>
+                    <a:p>
+                      <a:pPr marL="285750" marR="0" lvl="0" indent="-285750" algn="l" defTabSz="914400" rtl="0" eaLnBrk="1" fontAlgn="auto" latinLnBrk="1" hangingPunct="1">
+                        <a:lnSpc>
+                          <a:spcPct val="130000"/>
+                        </a:lnSpc>
+                        <a:spcBef>
+                          <a:spcPts val="0"/>
+                        </a:spcBef>
+                        <a:spcAft>
+                          <a:spcPts val="0"/>
+                        </a:spcAft>
+                        <a:buClrTx/>
+                        <a:buSzTx/>
+                        <a:buFont typeface="Arial" panose="020B0604020202020204" pitchFamily="34" charset="0"/>
+                        <a:buChar char="•"/>
+                        <a:tabLst/>
+                        <a:defRPr/>
+                      </a:pPr>
+                      <a:r>
+                        <a:rPr lang="ko-KR" altLang="en-US" sz="1200" dirty="0"/>
+                        <a:t>게임 시작할 때 술래 측 </a:t>
+                      </a:r>
+                      <a:r>
+                        <a:rPr lang="ko-KR" altLang="en-US" sz="1200" dirty="0" err="1"/>
+                        <a:t>스폰</a:t>
+                      </a:r>
+                      <a:r>
+                        <a:rPr lang="ko-KR" altLang="en-US" sz="1200" dirty="0"/>
+                        <a:t> 구역</a:t>
+                      </a:r>
+                      <a:r>
+                        <a:rPr lang="en-US" altLang="ko-KR" sz="1200" dirty="0"/>
+                        <a:t>. </a:t>
+                      </a:r>
+                      <a:r>
+                        <a:rPr lang="ko-KR" altLang="en-US" sz="1200" dirty="0"/>
+                        <a:t>초기 </a:t>
+                      </a:r>
+                      <a:r>
+                        <a:rPr lang="en-US" altLang="ko-KR" sz="1200" dirty="0"/>
+                        <a:t>1 </a:t>
+                      </a:r>
+                      <a:r>
+                        <a:rPr lang="ko-KR" altLang="en-US" sz="1200" dirty="0"/>
+                        <a:t>회 고정</a:t>
+                      </a:r>
+                      <a:r>
+                        <a:rPr lang="en-US" altLang="ko-KR" sz="1200" dirty="0"/>
+                        <a:t> </a:t>
+                      </a:r>
+                      <a:r>
+                        <a:rPr lang="ko-KR" altLang="en-US" sz="1200" dirty="0"/>
+                        <a:t>지점</a:t>
+                      </a:r>
+                      <a:r>
+                        <a:rPr lang="en-US" altLang="ko-KR" sz="1200" dirty="0"/>
+                        <a:t>.</a:t>
+                      </a:r>
+                    </a:p>
+                  </a:txBody>
+                  <a:tcPr anchor="ctr"/>
+                </a:tc>
+                <a:extLst>
+                  <a:ext uri="{0D108BD9-81ED-4DB2-BD59-A6C34878D82A}">
+                    <a16:rowId xmlns:a16="http://schemas.microsoft.com/office/drawing/2014/main" val="3627649166"/>
+                  </a:ext>
+                </a:extLst>
+              </a:tr>
+              <a:tr h="0">
+                <a:tc>
+                  <a:txBody>
+                    <a:bodyPr/>
+                    <a:lstStyle/>
+                    <a:p>
+                      <a:pPr algn="ctr" latinLnBrk="1"/>
+                      <a:r>
+                        <a:rPr lang="en-US" altLang="ko-KR" sz="1600" dirty="0"/>
+                        <a:t>4</a:t>
+                      </a:r>
+                      <a:endParaRPr lang="ko-KR" altLang="en-US" sz="1600" dirty="0"/>
+                    </a:p>
+                  </a:txBody>
+                  <a:tcPr anchor="ctr"/>
+                </a:tc>
+                <a:tc>
+                  <a:txBody>
+                    <a:bodyPr/>
+                    <a:lstStyle/>
+                    <a:p>
+                      <a:pPr marL="0" indent="0" algn="ctr">
+                        <a:lnSpc>
+                          <a:spcPct val="130000"/>
+                        </a:lnSpc>
+                        <a:buFont typeface="Arial" panose="020B0604020202020204" pitchFamily="34" charset="0"/>
+                        <a:buNone/>
+                      </a:pPr>
+                      <a:r>
+                        <a:rPr lang="ko-KR" altLang="en-US" sz="1200" dirty="0"/>
+                        <a:t>의식 진행 </a:t>
+                      </a:r>
+                      <a:endParaRPr lang="en-US" altLang="ko-KR" sz="1200" dirty="0"/>
+                    </a:p>
+                    <a:p>
+                      <a:pPr marL="0" indent="0" algn="ctr">
+                        <a:lnSpc>
+                          <a:spcPct val="130000"/>
+                        </a:lnSpc>
+                        <a:buFont typeface="Arial" panose="020B0604020202020204" pitchFamily="34" charset="0"/>
+                        <a:buNone/>
+                      </a:pPr>
+                      <a:r>
+                        <a:rPr lang="ko-KR" altLang="en-US" sz="1200" dirty="0"/>
+                        <a:t>오브젝트</a:t>
+                      </a:r>
+                    </a:p>
+                  </a:txBody>
+                  <a:tcPr anchor="ctr"/>
+                </a:tc>
+                <a:tc>
+                  <a:txBody>
+                    <a:bodyPr/>
+                    <a:lstStyle/>
+                    <a:p>
+                      <a:pPr marL="285750" marR="0" lvl="0" indent="-285750" algn="l" defTabSz="914400" rtl="0" eaLnBrk="1" fontAlgn="auto" latinLnBrk="1" hangingPunct="1">
+                        <a:lnSpc>
+                          <a:spcPct val="130000"/>
+                        </a:lnSpc>
+                        <a:spcBef>
+                          <a:spcPts val="0"/>
+                        </a:spcBef>
+                        <a:spcAft>
+                          <a:spcPts val="0"/>
+                        </a:spcAft>
+                        <a:buClrTx/>
+                        <a:buSzTx/>
+                        <a:buFont typeface="Arial" panose="020B0604020202020204" pitchFamily="34" charset="0"/>
+                        <a:buChar char="•"/>
+                        <a:tabLst/>
+                        <a:defRPr/>
+                      </a:pPr>
+                      <a:r>
+                        <a:rPr lang="ko-KR" altLang="en-US" sz="1200" dirty="0" err="1"/>
+                        <a:t>맵의</a:t>
+                      </a:r>
+                      <a:r>
+                        <a:rPr lang="ko-KR" altLang="en-US" sz="1200" dirty="0"/>
+                        <a:t> </a:t>
+                      </a:r>
+                      <a:r>
+                        <a:rPr lang="ko-KR" altLang="en-US" sz="1200" dirty="0" err="1"/>
+                        <a:t>랜덤한</a:t>
+                      </a:r>
+                      <a:r>
+                        <a:rPr lang="ko-KR" altLang="en-US" sz="1200" dirty="0"/>
+                        <a:t> 위치에 일정 거리 유지하며 생성</a:t>
+                      </a:r>
+                      <a:r>
+                        <a:rPr lang="en-US" altLang="ko-KR" sz="1200" dirty="0"/>
+                        <a:t>. </a:t>
+                      </a:r>
+                    </a:p>
+                    <a:p>
+                      <a:pPr marL="285750" marR="0" lvl="0" indent="-285750" algn="l" defTabSz="914400" rtl="0" eaLnBrk="1" fontAlgn="auto" latinLnBrk="1" hangingPunct="1">
+                        <a:lnSpc>
+                          <a:spcPct val="130000"/>
+                        </a:lnSpc>
+                        <a:spcBef>
+                          <a:spcPts val="0"/>
+                        </a:spcBef>
+                        <a:spcAft>
+                          <a:spcPts val="0"/>
+                        </a:spcAft>
+                        <a:buClrTx/>
+                        <a:buSzTx/>
+                        <a:buFont typeface="Arial" panose="020B0604020202020204" pitchFamily="34" charset="0"/>
+                        <a:buChar char="•"/>
+                        <a:tabLst/>
+                        <a:defRPr/>
+                      </a:pPr>
+                      <a:r>
+                        <a:rPr lang="ko-KR" altLang="en-US" sz="1200" dirty="0"/>
+                        <a:t>의식의 진행도를 높일 수 있음</a:t>
+                      </a:r>
+                      <a:r>
+                        <a:rPr lang="en-US" altLang="ko-KR" sz="1200" dirty="0"/>
+                        <a:t>.</a:t>
+                      </a:r>
+                    </a:p>
+                    <a:p>
+                      <a:pPr marL="285750" marR="0" lvl="0" indent="-285750" algn="l" defTabSz="914400" rtl="0" eaLnBrk="1" fontAlgn="auto" latinLnBrk="1" hangingPunct="1">
+                        <a:lnSpc>
+                          <a:spcPct val="130000"/>
+                        </a:lnSpc>
+                        <a:spcBef>
+                          <a:spcPts val="0"/>
+                        </a:spcBef>
+                        <a:spcAft>
+                          <a:spcPts val="0"/>
+                        </a:spcAft>
+                        <a:buClrTx/>
+                        <a:buSzTx/>
+                        <a:buFont typeface="Arial" panose="020B0604020202020204" pitchFamily="34" charset="0"/>
+                        <a:buChar char="•"/>
+                        <a:tabLst/>
+                        <a:defRPr/>
+                      </a:pPr>
+                      <a:r>
+                        <a:rPr lang="ko-KR" altLang="en-US" sz="1200" dirty="0"/>
+                        <a:t>생성 방식 생각해 볼 필요 있음</a:t>
+                      </a:r>
+                      <a:r>
+                        <a:rPr lang="en-US" altLang="ko-KR" sz="1200" dirty="0"/>
+                        <a:t>.</a:t>
+                      </a:r>
+                    </a:p>
+                  </a:txBody>
+                  <a:tcPr anchor="ctr"/>
+                </a:tc>
+                <a:extLst>
+                  <a:ext uri="{0D108BD9-81ED-4DB2-BD59-A6C34878D82A}">
+                    <a16:rowId xmlns:a16="http://schemas.microsoft.com/office/drawing/2014/main" val="1159151598"/>
+                  </a:ext>
+                </a:extLst>
+              </a:tr>
+            </a:tbl>
+          </a:graphicData>
+        </a:graphic>
+      </p:graphicFrame>
+      <p:sp>
+        <p:nvSpPr>
+          <p:cNvPr id="19" name="직사각형 18">
+            <a:extLst>
+              <a:ext uri="{FF2B5EF4-FFF2-40B4-BE49-F238E27FC236}">
+                <a16:creationId xmlns:a16="http://schemas.microsoft.com/office/drawing/2014/main" id="{052596DF-7497-C073-2A44-49051B622A79}"/>
+              </a:ext>
+            </a:extLst>
+          </p:cNvPr>
+          <p:cNvSpPr/>
+          <p:nvPr/>
+        </p:nvSpPr>
+        <p:spPr>
+          <a:xfrm>
+            <a:off x="2046537" y="5055133"/>
+            <a:ext cx="644266" cy="639992"/>
+          </a:xfrm>
+          <a:prstGeom prst="rect">
+            <a:avLst/>
+          </a:prstGeom>
+          <a:solidFill>
+            <a:schemeClr val="tx2">
+              <a:lumMod val="10000"/>
+              <a:lumOff val="90000"/>
+            </a:schemeClr>
+          </a:solidFill>
+        </p:spPr>
+        <p:style>
+          <a:lnRef idx="2">
+            <a:schemeClr val="accent1">
+              <a:shade val="15000"/>
+            </a:schemeClr>
+          </a:lnRef>
+          <a:fillRef idx="1">
+            <a:schemeClr val="accent1"/>
+          </a:fillRef>
+          <a:effectRef idx="0">
+            <a:schemeClr val="accent1"/>
+          </a:effectRef>
+          <a:fontRef idx="minor">
+            <a:schemeClr val="lt1"/>
+          </a:fontRef>
+        </p:style>
+        <p:txBody>
+          <a:bodyPr rtlCol="0" anchor="ctr"/>
+          <a:lstStyle/>
+          <a:p>
+            <a:pPr algn="ctr"/>
+            <a:endParaRPr lang="ko-KR" altLang="en-US"/>
+          </a:p>
+        </p:txBody>
+      </p:sp>
+      <p:sp>
+        <p:nvSpPr>
+          <p:cNvPr id="20" name="타원 19">
+            <a:extLst>
+              <a:ext uri="{FF2B5EF4-FFF2-40B4-BE49-F238E27FC236}">
+                <a16:creationId xmlns:a16="http://schemas.microsoft.com/office/drawing/2014/main" id="{801E297E-07B0-A810-B50A-14146B1E674F}"/>
+              </a:ext>
+            </a:extLst>
+          </p:cNvPr>
+          <p:cNvSpPr>
+            <a:spLocks noChangeAspect="1"/>
+          </p:cNvSpPr>
+          <p:nvPr/>
+        </p:nvSpPr>
+        <p:spPr>
+          <a:xfrm>
+            <a:off x="2263057" y="5255942"/>
+            <a:ext cx="235984" cy="235984"/>
+          </a:xfrm>
+          <a:prstGeom prst="ellipse">
+            <a:avLst/>
+          </a:prstGeom>
+          <a:solidFill>
+            <a:schemeClr val="bg1"/>
+          </a:solidFill>
+          <a:ln>
+            <a:solidFill>
+              <a:srgbClr val="FF0000"/>
+            </a:solidFill>
+          </a:ln>
+        </p:spPr>
+        <p:style>
+          <a:lnRef idx="2">
+            <a:schemeClr val="accent1">
+              <a:shade val="15000"/>
+            </a:schemeClr>
+          </a:lnRef>
+          <a:fillRef idx="1">
+            <a:schemeClr val="accent1"/>
+          </a:fillRef>
+          <a:effectRef idx="0">
+            <a:schemeClr val="accent1"/>
+          </a:effectRef>
+          <a:fontRef idx="minor">
+            <a:schemeClr val="lt1"/>
+          </a:fontRef>
+        </p:style>
+        <p:txBody>
+          <a:bodyPr rtlCol="0" anchor="ctr"/>
+          <a:lstStyle/>
+          <a:p>
+            <a:pPr algn="ctr"/>
+            <a:r>
+              <a:rPr lang="en-US" altLang="ko-KR" sz="1200" dirty="0">
+                <a:solidFill>
+                  <a:srgbClr val="FF0000"/>
+                </a:solidFill>
+              </a:rPr>
+              <a:t>3</a:t>
+            </a:r>
+            <a:endParaRPr lang="ko-KR" altLang="en-US" sz="1200" dirty="0">
+              <a:solidFill>
+                <a:srgbClr val="FF0000"/>
+              </a:solidFill>
+            </a:endParaRPr>
+          </a:p>
+        </p:txBody>
+      </p:sp>
+    </p:spTree>
+    <p:extLst>
+      <p:ext uri="{BB962C8B-B14F-4D97-AF65-F5344CB8AC3E}">
+        <p14:creationId xmlns:p14="http://schemas.microsoft.com/office/powerpoint/2010/main" val="1243985059"/>
+      </p:ext>
+    </p:extLst>
+  </p:cSld>
+  <p:clrMapOvr>
+    <a:masterClrMapping/>
+  </p:clrMapOvr>
+</p:sld>
+</file>
+
+<file path=ppt/slides/slide9.xml><?xml version="1.0" encoding="utf-8"?>
+<p:sld xmlns:a="http://schemas.openxmlformats.org/drawingml/2006/main" xmlns:r="http://schemas.openxmlformats.org/officeDocument/2006/relationships" xmlns:p="http://schemas.openxmlformats.org/presentationml/2006/main">
+  <p:cSld>
+    <p:spTree>
+      <p:nvGrpSpPr>
+        <p:cNvPr id="1" name=""/>
+        <p:cNvGrpSpPr/>
+        <p:nvPr/>
+      </p:nvGrpSpPr>
+      <p:grpSpPr>
+        <a:xfrm>
+          <a:off x="0" y="0"/>
+          <a:ext cx="0" cy="0"/>
+          <a:chOff x="0" y="0"/>
+          <a:chExt cx="0" cy="0"/>
+        </a:xfrm>
+      </p:grpSpPr>
+      <p:sp>
+        <p:nvSpPr>
+          <p:cNvPr id="4" name="TextBox 3">
+            <a:extLst>
+              <a:ext uri="{FF2B5EF4-FFF2-40B4-BE49-F238E27FC236}">
+                <a16:creationId xmlns:a16="http://schemas.microsoft.com/office/drawing/2014/main" id="{075E5029-557C-EFF5-81B5-74EA1B7A7E81}"/>
+              </a:ext>
+            </a:extLst>
+          </p:cNvPr>
+          <p:cNvSpPr txBox="1"/>
+          <p:nvPr/>
+        </p:nvSpPr>
+        <p:spPr>
+          <a:xfrm>
+            <a:off x="374650" y="354568"/>
+            <a:ext cx="2622550" cy="369332"/>
+          </a:xfrm>
+          <a:prstGeom prst="rect">
+            <a:avLst/>
+          </a:prstGeom>
+          <a:noFill/>
+        </p:spPr>
+        <p:txBody>
+          <a:bodyPr wrap="square" rtlCol="0">
+            <a:spAutoFit/>
+          </a:bodyPr>
+          <a:lstStyle/>
+          <a:p>
+            <a:r>
+              <a:rPr lang="ko-KR" altLang="en-US" dirty="0"/>
+              <a:t>술래</a:t>
+            </a:r>
+            <a:r>
+              <a:rPr lang="en-US" altLang="ko-KR" dirty="0"/>
+              <a:t>(</a:t>
+            </a:r>
+            <a:r>
+              <a:rPr lang="ko-KR" altLang="en-US" dirty="0"/>
+              <a:t>경찰</a:t>
+            </a:r>
+            <a:r>
+              <a:rPr lang="en-US" altLang="ko-KR" dirty="0"/>
+              <a:t>)</a:t>
+            </a:r>
+            <a:endParaRPr lang="ko-KR" altLang="en-US" dirty="0"/>
+          </a:p>
+        </p:txBody>
+      </p:sp>
+      <p:pic>
+        <p:nvPicPr>
+          <p:cNvPr id="6" name="그림 5" descr="의류, 사람, 무기, 건물이(가) 표시된 사진&#10;&#10;자동 생성된 설명">
+            <a:extLst>
+              <a:ext uri="{FF2B5EF4-FFF2-40B4-BE49-F238E27FC236}">
+                <a16:creationId xmlns:a16="http://schemas.microsoft.com/office/drawing/2014/main" id="{DDA9AF92-A7BE-CD2A-A874-0251B6FCA589}"/>
+              </a:ext>
+            </a:extLst>
+          </p:cNvPr>
+          <p:cNvPicPr>
+            <a:picLocks noChangeAspect="1"/>
+          </p:cNvPicPr>
+          <p:nvPr/>
+        </p:nvPicPr>
+        <p:blipFill>
+          <a:blip r:embed="rId2">
+            <a:extLst>
+              <a:ext uri="{28A0092B-C50C-407E-A947-70E740481C1C}">
+                <a14:useLocalDpi xmlns:a14="http://schemas.microsoft.com/office/drawing/2010/main" val="0"/>
+              </a:ext>
+            </a:extLst>
+          </a:blip>
+          <a:stretch>
+            <a:fillRect/>
+          </a:stretch>
+        </p:blipFill>
+        <p:spPr>
+          <a:xfrm>
+            <a:off x="374650" y="1141416"/>
+            <a:ext cx="3822705" cy="5247860"/>
+          </a:xfrm>
+          <a:prstGeom prst="rect">
+            <a:avLst/>
+          </a:prstGeom>
+        </p:spPr>
+      </p:pic>
+      <p:sp>
+        <p:nvSpPr>
+          <p:cNvPr id="7" name="TextBox 6">
+            <a:extLst>
+              <a:ext uri="{FF2B5EF4-FFF2-40B4-BE49-F238E27FC236}">
+                <a16:creationId xmlns:a16="http://schemas.microsoft.com/office/drawing/2014/main" id="{E2EB17D7-AFC7-9A3F-7368-3BC527A3DF83}"/>
+              </a:ext>
+            </a:extLst>
+          </p:cNvPr>
+          <p:cNvSpPr txBox="1"/>
+          <p:nvPr/>
+        </p:nvSpPr>
+        <p:spPr>
+          <a:xfrm>
+            <a:off x="4870174" y="1141416"/>
+            <a:ext cx="6652591" cy="369332"/>
+          </a:xfrm>
+          <a:prstGeom prst="rect">
+            <a:avLst/>
+          </a:prstGeom>
+          <a:noFill/>
+        </p:spPr>
+        <p:txBody>
+          <a:bodyPr wrap="square" rtlCol="0">
+            <a:spAutoFit/>
+          </a:bodyPr>
+          <a:lstStyle/>
+          <a:p>
+            <a:r>
+              <a:rPr lang="ko-KR" altLang="en-US" dirty="0" err="1"/>
+              <a:t>ㅇ</a:t>
+            </a:r>
+            <a:endParaRPr lang="ko-KR" altLang="en-US" dirty="0"/>
+          </a:p>
+        </p:txBody>
+      </p:sp>
+    </p:spTree>
+    <p:extLst>
+      <p:ext uri="{BB962C8B-B14F-4D97-AF65-F5344CB8AC3E}">
+        <p14:creationId xmlns:p14="http://schemas.microsoft.com/office/powerpoint/2010/main" val="3620531190"/>
       </p:ext>
     </p:extLst>
   </p:cSld>
